--- a/Dash-Streamlit_Presentation.pptx
+++ b/Dash-Streamlit_Presentation.pptx
@@ -6,7 +6,8 @@
   </p:sldMasterIdLst>
   <p:sldIdLst>
     <p:sldId id="256" r:id="rId2"/>
-    <p:sldId id="257" r:id="rId3"/>
+    <p:sldId id="258" r:id="rId3"/>
+    <p:sldId id="257" r:id="rId4"/>
   </p:sldIdLst>
   <p:sldSz cx="12192000" cy="6858000"/>
   <p:notesSz cx="6858000" cy="9144000"/>
@@ -7178,6 +7179,1903 @@
           <p:cNvPr id="2" name="Title 1">
             <a:extLst>
               <a:ext uri="{FF2B5EF4-FFF2-40B4-BE49-F238E27FC236}">
+                <a16:creationId xmlns:a16="http://schemas.microsoft.com/office/drawing/2014/main" id="{9758D9E0-DE81-AC02-04EA-640EFB955316}"/>
+              </a:ext>
+            </a:extLst>
+          </p:cNvPr>
+          <p:cNvSpPr>
+            <a:spLocks noGrp="1"/>
+          </p:cNvSpPr>
+          <p:nvPr>
+            <p:ph type="title"/>
+          </p:nvPr>
+        </p:nvSpPr>
+        <p:spPr>
+          <a:xfrm>
+            <a:off x="0" y="0"/>
+            <a:ext cx="12192000" cy="6857999"/>
+          </a:xfrm>
+        </p:spPr>
+        <p:txBody>
+          <a:bodyPr anchor="ctr"/>
+          <a:lstStyle/>
+          <a:p>
+            <a:pPr algn="ctr"/>
+            <a:r>
+              <a:rPr lang="pl-PL" dirty="0" err="1"/>
+              <a:t>Streamlit</a:t>
+            </a:r>
+            <a:endParaRPr lang="en-GB" dirty="0"/>
+          </a:p>
+        </p:txBody>
+      </p:sp>
+    </p:spTree>
+    <p:extLst>
+      <p:ext uri="{BB962C8B-B14F-4D97-AF65-F5344CB8AC3E}">
+        <p14:creationId xmlns:p14="http://schemas.microsoft.com/office/powerpoint/2010/main" val="212710295"/>
+      </p:ext>
+    </p:extLst>
+  </p:cSld>
+  <p:clrMapOvr>
+    <a:masterClrMapping/>
+  </p:clrMapOvr>
+</p:sld>
+</file>
+
+<file path=ppt/slides/slide3.xml><?xml version="1.0" encoding="utf-8"?>
+<p:sld xmlns:a="http://schemas.openxmlformats.org/drawingml/2006/main" xmlns:r="http://schemas.openxmlformats.org/officeDocument/2006/relationships" xmlns:p="http://schemas.openxmlformats.org/presentationml/2006/main">
+  <p:cSld>
+    <p:bg>
+      <p:bgPr>
+        <a:solidFill>
+          <a:schemeClr val="bg1"/>
+        </a:solidFill>
+        <a:effectLst/>
+      </p:bgPr>
+    </p:bg>
+    <p:spTree>
+      <p:nvGrpSpPr>
+        <p:cNvPr id="1" name=""/>
+        <p:cNvGrpSpPr/>
+        <p:nvPr/>
+      </p:nvGrpSpPr>
+      <p:grpSpPr>
+        <a:xfrm>
+          <a:off x="0" y="0"/>
+          <a:ext cx="0" cy="0"/>
+          <a:chOff x="0" y="0"/>
+          <a:chExt cx="0" cy="0"/>
+        </a:xfrm>
+      </p:grpSpPr>
+      <p:sp useBgFill="1">
+        <p:nvSpPr>
+          <p:cNvPr id="10" name="Rectangle 9">
+            <a:extLst>
+              <a:ext uri="{FF2B5EF4-FFF2-40B4-BE49-F238E27FC236}">
+                <a16:creationId xmlns:a16="http://schemas.microsoft.com/office/drawing/2014/main" id="{57B73489-D0E4-4C8B-884B-43A00CCD33C7}"/>
+              </a:ext>
+              <a:ext uri="{C183D7F6-B498-43B3-948B-1728B52AA6E4}">
+                <adec:decorative xmlns:adec="http://schemas.microsoft.com/office/drawing/2017/decorative" val="1"/>
+              </a:ext>
+            </a:extLst>
+          </p:cNvPr>
+          <p:cNvSpPr>
+            <a:spLocks noGrp="1" noRot="1" noChangeAspect="1" noMove="1" noResize="1" noEditPoints="1" noAdjustHandles="1" noChangeArrowheads="1" noChangeShapeType="1" noTextEdit="1"/>
+          </p:cNvSpPr>
+          <p:nvPr>
+            <p:extLst>
+              <p:ext uri="{386F3935-93C4-4BCD-93E2-E3B085C9AB24}">
+                <p16:designElem xmlns:p16="http://schemas.microsoft.com/office/powerpoint/2015/main" val="1"/>
+              </p:ext>
+            </p:extLst>
+          </p:nvPr>
+        </p:nvSpPr>
+        <p:spPr>
+          <a:xfrm>
+            <a:off x="0" y="0"/>
+            <a:ext cx="12188952" cy="6858000"/>
+          </a:xfrm>
+          <a:prstGeom prst="rect">
+            <a:avLst/>
+          </a:prstGeom>
+          <a:ln>
+            <a:noFill/>
+          </a:ln>
+        </p:spPr>
+        <p:style>
+          <a:lnRef idx="2">
+            <a:schemeClr val="accent1">
+              <a:shade val="50000"/>
+            </a:schemeClr>
+          </a:lnRef>
+          <a:fillRef idx="1">
+            <a:schemeClr val="accent1"/>
+          </a:fillRef>
+          <a:effectRef idx="0">
+            <a:schemeClr val="accent1"/>
+          </a:effectRef>
+          <a:fontRef idx="minor">
+            <a:schemeClr val="lt1"/>
+          </a:fontRef>
+        </p:style>
+        <p:txBody>
+          <a:bodyPr rtlCol="0" anchor="ctr"/>
+          <a:lstStyle/>
+          <a:p>
+            <a:pPr algn="ctr"/>
+            <a:endParaRPr lang="en-US">
+              <a:solidFill>
+                <a:schemeClr val="bg1"/>
+              </a:solidFill>
+            </a:endParaRPr>
+          </a:p>
+        </p:txBody>
+      </p:sp>
+      <p:sp>
+        <p:nvSpPr>
+          <p:cNvPr id="12" name="Rectangle 11">
+            <a:extLst>
+              <a:ext uri="{FF2B5EF4-FFF2-40B4-BE49-F238E27FC236}">
+                <a16:creationId xmlns:a16="http://schemas.microsoft.com/office/drawing/2014/main" id="{1C582B07-D0F0-4B6B-A5D9-D2F192CB3A4E}"/>
+              </a:ext>
+              <a:ext uri="{C183D7F6-B498-43B3-948B-1728B52AA6E4}">
+                <adec:decorative xmlns:adec="http://schemas.microsoft.com/office/drawing/2017/decorative" val="1"/>
+              </a:ext>
+            </a:extLst>
+          </p:cNvPr>
+          <p:cNvSpPr>
+            <a:spLocks noGrp="1" noRot="1" noChangeAspect="1" noMove="1" noResize="1" noEditPoints="1" noAdjustHandles="1" noChangeArrowheads="1" noChangeShapeType="1" noTextEdit="1"/>
+          </p:cNvSpPr>
+          <p:nvPr>
+            <p:extLst>
+              <p:ext uri="{386F3935-93C4-4BCD-93E2-E3B085C9AB24}">
+                <p16:designElem xmlns:p16="http://schemas.microsoft.com/office/powerpoint/2015/main" val="1"/>
+              </p:ext>
+            </p:extLst>
+          </p:nvPr>
+        </p:nvSpPr>
+        <p:spPr>
+          <a:xfrm>
+            <a:off x="0" y="0"/>
+            <a:ext cx="12188952" cy="6858000"/>
+          </a:xfrm>
+          <a:prstGeom prst="rect">
+            <a:avLst/>
+          </a:prstGeom>
+          <a:solidFill>
+            <a:schemeClr val="accent5"/>
+          </a:solidFill>
+          <a:ln>
+            <a:noFill/>
+          </a:ln>
+        </p:spPr>
+        <p:style>
+          <a:lnRef idx="2">
+            <a:schemeClr val="accent1">
+              <a:shade val="50000"/>
+            </a:schemeClr>
+          </a:lnRef>
+          <a:fillRef idx="1">
+            <a:schemeClr val="accent1"/>
+          </a:fillRef>
+          <a:effectRef idx="0">
+            <a:schemeClr val="accent1"/>
+          </a:effectRef>
+          <a:fontRef idx="minor">
+            <a:schemeClr val="lt1"/>
+          </a:fontRef>
+        </p:style>
+        <p:txBody>
+          <a:bodyPr rtlCol="0" anchor="ctr"/>
+          <a:lstStyle/>
+          <a:p>
+            <a:pPr algn="ctr"/>
+            <a:endParaRPr lang="en-US">
+              <a:solidFill>
+                <a:schemeClr val="bg1"/>
+              </a:solidFill>
+            </a:endParaRPr>
+          </a:p>
+        </p:txBody>
+      </p:sp>
+      <p:sp>
+        <p:nvSpPr>
+          <p:cNvPr id="14" name="Right Triangle 13">
+            <a:extLst>
+              <a:ext uri="{FF2B5EF4-FFF2-40B4-BE49-F238E27FC236}">
+                <a16:creationId xmlns:a16="http://schemas.microsoft.com/office/drawing/2014/main" id="{DA1A4301-6FFC-4C82-A1FA-7634D8CAA8F5}"/>
+              </a:ext>
+              <a:ext uri="{C183D7F6-B498-43B3-948B-1728B52AA6E4}">
+                <adec:decorative xmlns:adec="http://schemas.microsoft.com/office/drawing/2017/decorative" val="1"/>
+              </a:ext>
+            </a:extLst>
+          </p:cNvPr>
+          <p:cNvSpPr>
+            <a:spLocks noGrp="1" noRot="1" noChangeAspect="1" noMove="1" noResize="1" noEditPoints="1" noAdjustHandles="1" noChangeArrowheads="1" noChangeShapeType="1" noTextEdit="1"/>
+          </p:cNvSpPr>
+          <p:nvPr>
+            <p:extLst>
+              <p:ext uri="{386F3935-93C4-4BCD-93E2-E3B085C9AB24}">
+                <p16:designElem xmlns:p16="http://schemas.microsoft.com/office/powerpoint/2015/main" val="1"/>
+              </p:ext>
+            </p:extLst>
+          </p:nvPr>
+        </p:nvSpPr>
+        <p:spPr>
+          <a:xfrm rot="13500000">
+            <a:off x="-277931" y="1559140"/>
+            <a:ext cx="568289" cy="568289"/>
+          </a:xfrm>
+          <a:prstGeom prst="rtTriangle">
+            <a:avLst/>
+          </a:prstGeom>
+          <a:solidFill>
+            <a:schemeClr val="accent5">
+              <a:lumMod val="50000"/>
+              <a:alpha val="17000"/>
+            </a:schemeClr>
+          </a:solidFill>
+          <a:ln>
+            <a:noFill/>
+          </a:ln>
+        </p:spPr>
+        <p:style>
+          <a:lnRef idx="2">
+            <a:schemeClr val="accent1">
+              <a:shade val="50000"/>
+            </a:schemeClr>
+          </a:lnRef>
+          <a:fillRef idx="1">
+            <a:schemeClr val="accent1"/>
+          </a:fillRef>
+          <a:effectRef idx="0">
+            <a:schemeClr val="accent1"/>
+          </a:effectRef>
+          <a:fontRef idx="minor">
+            <a:schemeClr val="lt1"/>
+          </a:fontRef>
+        </p:style>
+        <p:txBody>
+          <a:bodyPr rtlCol="0" anchor="ctr"/>
+          <a:lstStyle/>
+          <a:p>
+            <a:pPr algn="ctr"/>
+            <a:endParaRPr lang="en-US"/>
+          </a:p>
+        </p:txBody>
+      </p:sp>
+      <p:grpSp>
+        <p:nvGrpSpPr>
+          <p:cNvPr id="16" name="Group 15">
+            <a:extLst>
+              <a:ext uri="{FF2B5EF4-FFF2-40B4-BE49-F238E27FC236}">
+                <a16:creationId xmlns:a16="http://schemas.microsoft.com/office/drawing/2014/main" id="{8323DD1D-77DE-48B2-A0A0-6265801531E5}"/>
+              </a:ext>
+              <a:ext uri="{C183D7F6-B498-43B3-948B-1728B52AA6E4}">
+                <adec:decorative xmlns:adec="http://schemas.microsoft.com/office/drawing/2017/decorative" val="1"/>
+              </a:ext>
+            </a:extLst>
+          </p:cNvPr>
+          <p:cNvGrpSpPr>
+            <a:grpSpLocks noGrp="1" noUngrp="1" noRot="1" noChangeAspect="1" noMove="1" noResize="1"/>
+          </p:cNvGrpSpPr>
+          <p:nvPr>
+            <p:extLst>
+              <p:ext uri="{386F3935-93C4-4BCD-93E2-E3B085C9AB24}">
+                <p16:designElem xmlns:p16="http://schemas.microsoft.com/office/powerpoint/2015/main" val="1"/>
+              </p:ext>
+            </p:extLst>
+          </p:nvPr>
+        </p:nvGrpSpPr>
+        <p:grpSpPr>
+          <a:xfrm>
+            <a:off x="0" y="0"/>
+            <a:ext cx="12214827" cy="6858000"/>
+            <a:chOff x="-6214" y="-1"/>
+            <a:chExt cx="12214827" cy="6858000"/>
+          </a:xfrm>
+        </p:grpSpPr>
+        <p:cxnSp>
+          <p:nvCxnSpPr>
+            <p:cNvPr id="17" name="Straight Connector 16">
+              <a:extLst>
+                <a:ext uri="{FF2B5EF4-FFF2-40B4-BE49-F238E27FC236}">
+                  <a16:creationId xmlns:a16="http://schemas.microsoft.com/office/drawing/2014/main" id="{5C230063-C474-48F9-AD35-F649415C2292}"/>
+                </a:ext>
+                <a:ext uri="{C183D7F6-B498-43B3-948B-1728B52AA6E4}">
+                  <adec:decorative xmlns:adec="http://schemas.microsoft.com/office/drawing/2017/decorative" val="1"/>
+                </a:ext>
+              </a:extLst>
+            </p:cNvPr>
+            <p:cNvCxnSpPr>
+              <a:cxnSpLocks/>
+            </p:cNvCxnSpPr>
+            <p:nvPr>
+              <p:extLst>
+                <p:ext uri="{386F3935-93C4-4BCD-93E2-E3B085C9AB24}">
+                  <p16:designElem xmlns:p16="http://schemas.microsoft.com/office/powerpoint/2015/main" val="1"/>
+                </p:ext>
+              </p:extLst>
+            </p:nvPr>
+          </p:nvCxnSpPr>
+          <p:spPr>
+            <a:xfrm>
+              <a:off x="-6214" y="6686283"/>
+              <a:ext cx="12192000" cy="0"/>
+            </a:xfrm>
+            <a:prstGeom prst="line">
+              <a:avLst/>
+            </a:prstGeom>
+            <a:ln w="19050">
+              <a:solidFill>
+                <a:schemeClr val="accent2">
+                  <a:alpha val="15000"/>
+                </a:schemeClr>
+              </a:solidFill>
+              <a:prstDash val="sysDot"/>
+            </a:ln>
+          </p:spPr>
+          <p:style>
+            <a:lnRef idx="1">
+              <a:schemeClr val="accent1"/>
+            </a:lnRef>
+            <a:fillRef idx="0">
+              <a:schemeClr val="accent1"/>
+            </a:fillRef>
+            <a:effectRef idx="0">
+              <a:schemeClr val="accent1"/>
+            </a:effectRef>
+            <a:fontRef idx="minor">
+              <a:schemeClr val="tx1"/>
+            </a:fontRef>
+          </p:style>
+        </p:cxnSp>
+        <p:cxnSp>
+          <p:nvCxnSpPr>
+            <p:cNvPr id="18" name="Straight Connector 17">
+              <a:extLst>
+                <a:ext uri="{FF2B5EF4-FFF2-40B4-BE49-F238E27FC236}">
+                  <a16:creationId xmlns:a16="http://schemas.microsoft.com/office/drawing/2014/main" id="{6251EB77-6139-46FD-BABC-85764659488D}"/>
+                </a:ext>
+                <a:ext uri="{C183D7F6-B498-43B3-948B-1728B52AA6E4}">
+                  <adec:decorative xmlns:adec="http://schemas.microsoft.com/office/drawing/2017/decorative" val="1"/>
+                </a:ext>
+              </a:extLst>
+            </p:cNvPr>
+            <p:cNvCxnSpPr>
+              <a:cxnSpLocks/>
+            </p:cNvCxnSpPr>
+            <p:nvPr>
+              <p:extLst>
+                <p:ext uri="{386F3935-93C4-4BCD-93E2-E3B085C9AB24}">
+                  <p16:designElem xmlns:p16="http://schemas.microsoft.com/office/powerpoint/2015/main" val="1"/>
+                </p:ext>
+              </p:extLst>
+            </p:nvPr>
+          </p:nvCxnSpPr>
+          <p:spPr>
+            <a:xfrm>
+              <a:off x="0" y="-1"/>
+              <a:ext cx="0" cy="6858000"/>
+            </a:xfrm>
+            <a:prstGeom prst="line">
+              <a:avLst/>
+            </a:prstGeom>
+            <a:ln w="19050">
+              <a:solidFill>
+                <a:schemeClr val="accent2">
+                  <a:alpha val="15000"/>
+                </a:schemeClr>
+              </a:solidFill>
+              <a:prstDash val="sysDot"/>
+            </a:ln>
+          </p:spPr>
+          <p:style>
+            <a:lnRef idx="1">
+              <a:schemeClr val="accent1"/>
+            </a:lnRef>
+            <a:fillRef idx="0">
+              <a:schemeClr val="accent1"/>
+            </a:fillRef>
+            <a:effectRef idx="0">
+              <a:schemeClr val="accent1"/>
+            </a:effectRef>
+            <a:fontRef idx="minor">
+              <a:schemeClr val="tx1"/>
+            </a:fontRef>
+          </p:style>
+        </p:cxnSp>
+        <p:cxnSp>
+          <p:nvCxnSpPr>
+            <p:cNvPr id="19" name="Straight Connector 18">
+              <a:extLst>
+                <a:ext uri="{FF2B5EF4-FFF2-40B4-BE49-F238E27FC236}">
+                  <a16:creationId xmlns:a16="http://schemas.microsoft.com/office/drawing/2014/main" id="{A8177B72-4955-469C-BAF0-E07626379449}"/>
+                </a:ext>
+                <a:ext uri="{C183D7F6-B498-43B3-948B-1728B52AA6E4}">
+                  <adec:decorative xmlns:adec="http://schemas.microsoft.com/office/drawing/2017/decorative" val="1"/>
+                </a:ext>
+              </a:extLst>
+            </p:cNvPr>
+            <p:cNvCxnSpPr>
+              <a:cxnSpLocks/>
+            </p:cNvCxnSpPr>
+            <p:nvPr>
+              <p:extLst>
+                <p:ext uri="{386F3935-93C4-4BCD-93E2-E3B085C9AB24}">
+                  <p16:designElem xmlns:p16="http://schemas.microsoft.com/office/powerpoint/2015/main" val="1"/>
+                </p:ext>
+              </p:extLst>
+            </p:nvPr>
+          </p:nvCxnSpPr>
+          <p:spPr>
+            <a:xfrm>
+              <a:off x="11993258" y="-1"/>
+              <a:ext cx="0" cy="6858000"/>
+            </a:xfrm>
+            <a:prstGeom prst="line">
+              <a:avLst/>
+            </a:prstGeom>
+            <a:ln w="19050">
+              <a:solidFill>
+                <a:schemeClr val="accent2">
+                  <a:alpha val="15000"/>
+                </a:schemeClr>
+              </a:solidFill>
+              <a:prstDash val="sysDot"/>
+            </a:ln>
+          </p:spPr>
+          <p:style>
+            <a:lnRef idx="1">
+              <a:schemeClr val="accent1"/>
+            </a:lnRef>
+            <a:fillRef idx="0">
+              <a:schemeClr val="accent1"/>
+            </a:fillRef>
+            <a:effectRef idx="0">
+              <a:schemeClr val="accent1"/>
+            </a:effectRef>
+            <a:fontRef idx="minor">
+              <a:schemeClr val="tx1"/>
+            </a:fontRef>
+          </p:style>
+        </p:cxnSp>
+        <p:cxnSp>
+          <p:nvCxnSpPr>
+            <p:cNvPr id="20" name="Straight Connector 19">
+              <a:extLst>
+                <a:ext uri="{FF2B5EF4-FFF2-40B4-BE49-F238E27FC236}">
+                  <a16:creationId xmlns:a16="http://schemas.microsoft.com/office/drawing/2014/main" id="{C09269C7-DB34-4A8C-BAC9-2496A058B8BD}"/>
+                </a:ext>
+                <a:ext uri="{C183D7F6-B498-43B3-948B-1728B52AA6E4}">
+                  <adec:decorative xmlns:adec="http://schemas.microsoft.com/office/drawing/2017/decorative" val="1"/>
+                </a:ext>
+              </a:extLst>
+            </p:cNvPr>
+            <p:cNvCxnSpPr>
+              <a:cxnSpLocks/>
+            </p:cNvCxnSpPr>
+            <p:nvPr>
+              <p:extLst>
+                <p:ext uri="{386F3935-93C4-4BCD-93E2-E3B085C9AB24}">
+                  <p16:designElem xmlns:p16="http://schemas.microsoft.com/office/powerpoint/2015/main" val="1"/>
+                </p:ext>
+              </p:extLst>
+            </p:nvPr>
+          </p:nvCxnSpPr>
+          <p:spPr>
+            <a:xfrm>
+              <a:off x="192528" y="-1"/>
+              <a:ext cx="0" cy="6858000"/>
+            </a:xfrm>
+            <a:prstGeom prst="line">
+              <a:avLst/>
+            </a:prstGeom>
+            <a:ln w="19050">
+              <a:solidFill>
+                <a:schemeClr val="accent2">
+                  <a:alpha val="15000"/>
+                </a:schemeClr>
+              </a:solidFill>
+              <a:prstDash val="sysDot"/>
+            </a:ln>
+          </p:spPr>
+          <p:style>
+            <a:lnRef idx="1">
+              <a:schemeClr val="accent1"/>
+            </a:lnRef>
+            <a:fillRef idx="0">
+              <a:schemeClr val="accent1"/>
+            </a:fillRef>
+            <a:effectRef idx="0">
+              <a:schemeClr val="accent1"/>
+            </a:effectRef>
+            <a:fontRef idx="minor">
+              <a:schemeClr val="tx1"/>
+            </a:fontRef>
+          </p:style>
+        </p:cxnSp>
+        <p:cxnSp>
+          <p:nvCxnSpPr>
+            <p:cNvPr id="21" name="Straight Connector 20">
+              <a:extLst>
+                <a:ext uri="{FF2B5EF4-FFF2-40B4-BE49-F238E27FC236}">
+                  <a16:creationId xmlns:a16="http://schemas.microsoft.com/office/drawing/2014/main" id="{FFA42117-D401-4236-8EAA-EC9095D4C642}"/>
+                </a:ext>
+                <a:ext uri="{C183D7F6-B498-43B3-948B-1728B52AA6E4}">
+                  <adec:decorative xmlns:adec="http://schemas.microsoft.com/office/drawing/2017/decorative" val="1"/>
+                </a:ext>
+              </a:extLst>
+            </p:cNvPr>
+            <p:cNvCxnSpPr>
+              <a:cxnSpLocks/>
+            </p:cNvCxnSpPr>
+            <p:nvPr>
+              <p:extLst>
+                <p:ext uri="{386F3935-93C4-4BCD-93E2-E3B085C9AB24}">
+                  <p16:designElem xmlns:p16="http://schemas.microsoft.com/office/powerpoint/2015/main" val="1"/>
+                </p:ext>
+              </p:extLst>
+            </p:nvPr>
+          </p:nvCxnSpPr>
+          <p:spPr>
+            <a:xfrm>
+              <a:off x="1191966" y="-1"/>
+              <a:ext cx="0" cy="6858000"/>
+            </a:xfrm>
+            <a:prstGeom prst="line">
+              <a:avLst/>
+            </a:prstGeom>
+            <a:ln w="19050">
+              <a:solidFill>
+                <a:schemeClr val="accent2">
+                  <a:alpha val="15000"/>
+                </a:schemeClr>
+              </a:solidFill>
+              <a:prstDash val="sysDot"/>
+            </a:ln>
+          </p:spPr>
+          <p:style>
+            <a:lnRef idx="1">
+              <a:schemeClr val="accent1"/>
+            </a:lnRef>
+            <a:fillRef idx="0">
+              <a:schemeClr val="accent1"/>
+            </a:fillRef>
+            <a:effectRef idx="0">
+              <a:schemeClr val="accent1"/>
+            </a:effectRef>
+            <a:fontRef idx="minor">
+              <a:schemeClr val="tx1"/>
+            </a:fontRef>
+          </p:style>
+        </p:cxnSp>
+        <p:cxnSp>
+          <p:nvCxnSpPr>
+            <p:cNvPr id="22" name="Straight Connector 21">
+              <a:extLst>
+                <a:ext uri="{FF2B5EF4-FFF2-40B4-BE49-F238E27FC236}">
+                  <a16:creationId xmlns:a16="http://schemas.microsoft.com/office/drawing/2014/main" id="{6746B91E-6053-4974-B374-9D1B8FBD70C8}"/>
+                </a:ext>
+                <a:ext uri="{C183D7F6-B498-43B3-948B-1728B52AA6E4}">
+                  <adec:decorative xmlns:adec="http://schemas.microsoft.com/office/drawing/2017/decorative" val="1"/>
+                </a:ext>
+              </a:extLst>
+            </p:cNvPr>
+            <p:cNvCxnSpPr>
+              <a:cxnSpLocks/>
+            </p:cNvCxnSpPr>
+            <p:nvPr>
+              <p:extLst>
+                <p:ext uri="{386F3935-93C4-4BCD-93E2-E3B085C9AB24}">
+                  <p16:designElem xmlns:p16="http://schemas.microsoft.com/office/powerpoint/2015/main" val="1"/>
+                </p:ext>
+              </p:extLst>
+            </p:nvPr>
+          </p:nvCxnSpPr>
+          <p:spPr>
+            <a:xfrm>
+              <a:off x="2191404" y="-1"/>
+              <a:ext cx="0" cy="6858000"/>
+            </a:xfrm>
+            <a:prstGeom prst="line">
+              <a:avLst/>
+            </a:prstGeom>
+            <a:ln w="19050">
+              <a:solidFill>
+                <a:schemeClr val="accent2">
+                  <a:alpha val="15000"/>
+                </a:schemeClr>
+              </a:solidFill>
+              <a:prstDash val="sysDot"/>
+            </a:ln>
+          </p:spPr>
+          <p:style>
+            <a:lnRef idx="1">
+              <a:schemeClr val="accent1"/>
+            </a:lnRef>
+            <a:fillRef idx="0">
+              <a:schemeClr val="accent1"/>
+            </a:fillRef>
+            <a:effectRef idx="0">
+              <a:schemeClr val="accent1"/>
+            </a:effectRef>
+            <a:fontRef idx="minor">
+              <a:schemeClr val="tx1"/>
+            </a:fontRef>
+          </p:style>
+        </p:cxnSp>
+        <p:cxnSp>
+          <p:nvCxnSpPr>
+            <p:cNvPr id="23" name="Straight Connector 22">
+              <a:extLst>
+                <a:ext uri="{FF2B5EF4-FFF2-40B4-BE49-F238E27FC236}">
+                  <a16:creationId xmlns:a16="http://schemas.microsoft.com/office/drawing/2014/main" id="{ED5DA8D3-12FB-4731-BDBC-93B6113D0C49}"/>
+                </a:ext>
+                <a:ext uri="{C183D7F6-B498-43B3-948B-1728B52AA6E4}">
+                  <adec:decorative xmlns:adec="http://schemas.microsoft.com/office/drawing/2017/decorative" val="1"/>
+                </a:ext>
+              </a:extLst>
+            </p:cNvPr>
+            <p:cNvCxnSpPr>
+              <a:cxnSpLocks/>
+            </p:cNvCxnSpPr>
+            <p:nvPr>
+              <p:extLst>
+                <p:ext uri="{386F3935-93C4-4BCD-93E2-E3B085C9AB24}">
+                  <p16:designElem xmlns:p16="http://schemas.microsoft.com/office/powerpoint/2015/main" val="1"/>
+                </p:ext>
+              </p:extLst>
+            </p:nvPr>
+          </p:nvCxnSpPr>
+          <p:spPr>
+            <a:xfrm>
+              <a:off x="3190842" y="-1"/>
+              <a:ext cx="0" cy="6858000"/>
+            </a:xfrm>
+            <a:prstGeom prst="line">
+              <a:avLst/>
+            </a:prstGeom>
+            <a:ln w="19050">
+              <a:solidFill>
+                <a:schemeClr val="accent2">
+                  <a:alpha val="15000"/>
+                </a:schemeClr>
+              </a:solidFill>
+              <a:prstDash val="sysDot"/>
+            </a:ln>
+          </p:spPr>
+          <p:style>
+            <a:lnRef idx="1">
+              <a:schemeClr val="accent1"/>
+            </a:lnRef>
+            <a:fillRef idx="0">
+              <a:schemeClr val="accent1"/>
+            </a:fillRef>
+            <a:effectRef idx="0">
+              <a:schemeClr val="accent1"/>
+            </a:effectRef>
+            <a:fontRef idx="minor">
+              <a:schemeClr val="tx1"/>
+            </a:fontRef>
+          </p:style>
+        </p:cxnSp>
+        <p:cxnSp>
+          <p:nvCxnSpPr>
+            <p:cNvPr id="24" name="Straight Connector 23">
+              <a:extLst>
+                <a:ext uri="{FF2B5EF4-FFF2-40B4-BE49-F238E27FC236}">
+                  <a16:creationId xmlns:a16="http://schemas.microsoft.com/office/drawing/2014/main" id="{7D16B49A-4893-4729-87B8-9A0B8E592D9E}"/>
+                </a:ext>
+                <a:ext uri="{C183D7F6-B498-43B3-948B-1728B52AA6E4}">
+                  <adec:decorative xmlns:adec="http://schemas.microsoft.com/office/drawing/2017/decorative" val="1"/>
+                </a:ext>
+              </a:extLst>
+            </p:cNvPr>
+            <p:cNvCxnSpPr>
+              <a:cxnSpLocks/>
+            </p:cNvCxnSpPr>
+            <p:nvPr>
+              <p:extLst>
+                <p:ext uri="{386F3935-93C4-4BCD-93E2-E3B085C9AB24}">
+                  <p16:designElem xmlns:p16="http://schemas.microsoft.com/office/powerpoint/2015/main" val="1"/>
+                </p:ext>
+              </p:extLst>
+            </p:nvPr>
+          </p:nvCxnSpPr>
+          <p:spPr>
+            <a:xfrm>
+              <a:off x="4190280" y="-1"/>
+              <a:ext cx="0" cy="6858000"/>
+            </a:xfrm>
+            <a:prstGeom prst="line">
+              <a:avLst/>
+            </a:prstGeom>
+            <a:ln w="19050">
+              <a:solidFill>
+                <a:schemeClr val="accent2">
+                  <a:alpha val="15000"/>
+                </a:schemeClr>
+              </a:solidFill>
+              <a:prstDash val="sysDot"/>
+            </a:ln>
+          </p:spPr>
+          <p:style>
+            <a:lnRef idx="1">
+              <a:schemeClr val="accent1"/>
+            </a:lnRef>
+            <a:fillRef idx="0">
+              <a:schemeClr val="accent1"/>
+            </a:fillRef>
+            <a:effectRef idx="0">
+              <a:schemeClr val="accent1"/>
+            </a:effectRef>
+            <a:fontRef idx="minor">
+              <a:schemeClr val="tx1"/>
+            </a:fontRef>
+          </p:style>
+        </p:cxnSp>
+        <p:cxnSp>
+          <p:nvCxnSpPr>
+            <p:cNvPr id="25" name="Straight Connector 24">
+              <a:extLst>
+                <a:ext uri="{FF2B5EF4-FFF2-40B4-BE49-F238E27FC236}">
+                  <a16:creationId xmlns:a16="http://schemas.microsoft.com/office/drawing/2014/main" id="{406D93EE-2329-4706-89C0-BB6C94A39A7B}"/>
+                </a:ext>
+                <a:ext uri="{C183D7F6-B498-43B3-948B-1728B52AA6E4}">
+                  <adec:decorative xmlns:adec="http://schemas.microsoft.com/office/drawing/2017/decorative" val="1"/>
+                </a:ext>
+              </a:extLst>
+            </p:cNvPr>
+            <p:cNvCxnSpPr>
+              <a:cxnSpLocks/>
+            </p:cNvCxnSpPr>
+            <p:nvPr>
+              <p:extLst>
+                <p:ext uri="{386F3935-93C4-4BCD-93E2-E3B085C9AB24}">
+                  <p16:designElem xmlns:p16="http://schemas.microsoft.com/office/powerpoint/2015/main" val="1"/>
+                </p:ext>
+              </p:extLst>
+            </p:nvPr>
+          </p:nvCxnSpPr>
+          <p:spPr>
+            <a:xfrm>
+              <a:off x="5189718" y="-1"/>
+              <a:ext cx="0" cy="6858000"/>
+            </a:xfrm>
+            <a:prstGeom prst="line">
+              <a:avLst/>
+            </a:prstGeom>
+            <a:ln w="19050">
+              <a:solidFill>
+                <a:schemeClr val="accent2">
+                  <a:alpha val="15000"/>
+                </a:schemeClr>
+              </a:solidFill>
+              <a:prstDash val="sysDot"/>
+            </a:ln>
+          </p:spPr>
+          <p:style>
+            <a:lnRef idx="1">
+              <a:schemeClr val="accent1"/>
+            </a:lnRef>
+            <a:fillRef idx="0">
+              <a:schemeClr val="accent1"/>
+            </a:fillRef>
+            <a:effectRef idx="0">
+              <a:schemeClr val="accent1"/>
+            </a:effectRef>
+            <a:fontRef idx="minor">
+              <a:schemeClr val="tx1"/>
+            </a:fontRef>
+          </p:style>
+        </p:cxnSp>
+        <p:cxnSp>
+          <p:nvCxnSpPr>
+            <p:cNvPr id="26" name="Straight Connector 25">
+              <a:extLst>
+                <a:ext uri="{FF2B5EF4-FFF2-40B4-BE49-F238E27FC236}">
+                  <a16:creationId xmlns:a16="http://schemas.microsoft.com/office/drawing/2014/main" id="{3DC3E76F-2DB4-40DA-8C45-943861B1723E}"/>
+                </a:ext>
+                <a:ext uri="{C183D7F6-B498-43B3-948B-1728B52AA6E4}">
+                  <adec:decorative xmlns:adec="http://schemas.microsoft.com/office/drawing/2017/decorative" val="1"/>
+                </a:ext>
+              </a:extLst>
+            </p:cNvPr>
+            <p:cNvCxnSpPr>
+              <a:cxnSpLocks/>
+            </p:cNvCxnSpPr>
+            <p:nvPr>
+              <p:extLst>
+                <p:ext uri="{386F3935-93C4-4BCD-93E2-E3B085C9AB24}">
+                  <p16:designElem xmlns:p16="http://schemas.microsoft.com/office/powerpoint/2015/main" val="1"/>
+                </p:ext>
+              </p:extLst>
+            </p:nvPr>
+          </p:nvCxnSpPr>
+          <p:spPr>
+            <a:xfrm>
+              <a:off x="6189156" y="-1"/>
+              <a:ext cx="0" cy="6858000"/>
+            </a:xfrm>
+            <a:prstGeom prst="line">
+              <a:avLst/>
+            </a:prstGeom>
+            <a:ln w="19050">
+              <a:solidFill>
+                <a:schemeClr val="accent2">
+                  <a:alpha val="15000"/>
+                </a:schemeClr>
+              </a:solidFill>
+              <a:prstDash val="sysDot"/>
+            </a:ln>
+          </p:spPr>
+          <p:style>
+            <a:lnRef idx="1">
+              <a:schemeClr val="accent1"/>
+            </a:lnRef>
+            <a:fillRef idx="0">
+              <a:schemeClr val="accent1"/>
+            </a:fillRef>
+            <a:effectRef idx="0">
+              <a:schemeClr val="accent1"/>
+            </a:effectRef>
+            <a:fontRef idx="minor">
+              <a:schemeClr val="tx1"/>
+            </a:fontRef>
+          </p:style>
+        </p:cxnSp>
+        <p:cxnSp>
+          <p:nvCxnSpPr>
+            <p:cNvPr id="27" name="Straight Connector 26">
+              <a:extLst>
+                <a:ext uri="{FF2B5EF4-FFF2-40B4-BE49-F238E27FC236}">
+                  <a16:creationId xmlns:a16="http://schemas.microsoft.com/office/drawing/2014/main" id="{F56318F6-E559-4DA6-95C0-D2BB10BA6413}"/>
+                </a:ext>
+                <a:ext uri="{C183D7F6-B498-43B3-948B-1728B52AA6E4}">
+                  <adec:decorative xmlns:adec="http://schemas.microsoft.com/office/drawing/2017/decorative" val="1"/>
+                </a:ext>
+              </a:extLst>
+            </p:cNvPr>
+            <p:cNvCxnSpPr>
+              <a:cxnSpLocks/>
+            </p:cNvCxnSpPr>
+            <p:nvPr>
+              <p:extLst>
+                <p:ext uri="{386F3935-93C4-4BCD-93E2-E3B085C9AB24}">
+                  <p16:designElem xmlns:p16="http://schemas.microsoft.com/office/powerpoint/2015/main" val="1"/>
+                </p:ext>
+              </p:extLst>
+            </p:nvPr>
+          </p:nvCxnSpPr>
+          <p:spPr>
+            <a:xfrm>
+              <a:off x="7188594" y="-1"/>
+              <a:ext cx="0" cy="6858000"/>
+            </a:xfrm>
+            <a:prstGeom prst="line">
+              <a:avLst/>
+            </a:prstGeom>
+            <a:ln w="19050">
+              <a:solidFill>
+                <a:schemeClr val="accent2">
+                  <a:alpha val="15000"/>
+                </a:schemeClr>
+              </a:solidFill>
+              <a:prstDash val="sysDot"/>
+            </a:ln>
+          </p:spPr>
+          <p:style>
+            <a:lnRef idx="1">
+              <a:schemeClr val="accent1"/>
+            </a:lnRef>
+            <a:fillRef idx="0">
+              <a:schemeClr val="accent1"/>
+            </a:fillRef>
+            <a:effectRef idx="0">
+              <a:schemeClr val="accent1"/>
+            </a:effectRef>
+            <a:fontRef idx="minor">
+              <a:schemeClr val="tx1"/>
+            </a:fontRef>
+          </p:style>
+        </p:cxnSp>
+        <p:cxnSp>
+          <p:nvCxnSpPr>
+            <p:cNvPr id="28" name="Straight Connector 27">
+              <a:extLst>
+                <a:ext uri="{FF2B5EF4-FFF2-40B4-BE49-F238E27FC236}">
+                  <a16:creationId xmlns:a16="http://schemas.microsoft.com/office/drawing/2014/main" id="{83243B57-CFAA-461A-AE56-A61CF60F3AD4}"/>
+                </a:ext>
+                <a:ext uri="{C183D7F6-B498-43B3-948B-1728B52AA6E4}">
+                  <adec:decorative xmlns:adec="http://schemas.microsoft.com/office/drawing/2017/decorative" val="1"/>
+                </a:ext>
+              </a:extLst>
+            </p:cNvPr>
+            <p:cNvCxnSpPr>
+              <a:cxnSpLocks/>
+            </p:cNvCxnSpPr>
+            <p:nvPr>
+              <p:extLst>
+                <p:ext uri="{386F3935-93C4-4BCD-93E2-E3B085C9AB24}">
+                  <p16:designElem xmlns:p16="http://schemas.microsoft.com/office/powerpoint/2015/main" val="1"/>
+                </p:ext>
+              </p:extLst>
+            </p:nvPr>
+          </p:nvCxnSpPr>
+          <p:spPr>
+            <a:xfrm>
+              <a:off x="8188032" y="-1"/>
+              <a:ext cx="0" cy="6858000"/>
+            </a:xfrm>
+            <a:prstGeom prst="line">
+              <a:avLst/>
+            </a:prstGeom>
+            <a:ln w="19050">
+              <a:solidFill>
+                <a:schemeClr val="accent2">
+                  <a:alpha val="15000"/>
+                </a:schemeClr>
+              </a:solidFill>
+              <a:prstDash val="sysDot"/>
+            </a:ln>
+          </p:spPr>
+          <p:style>
+            <a:lnRef idx="1">
+              <a:schemeClr val="accent1"/>
+            </a:lnRef>
+            <a:fillRef idx="0">
+              <a:schemeClr val="accent1"/>
+            </a:fillRef>
+            <a:effectRef idx="0">
+              <a:schemeClr val="accent1"/>
+            </a:effectRef>
+            <a:fontRef idx="minor">
+              <a:schemeClr val="tx1"/>
+            </a:fontRef>
+          </p:style>
+        </p:cxnSp>
+        <p:cxnSp>
+          <p:nvCxnSpPr>
+            <p:cNvPr id="29" name="Straight Connector 28">
+              <a:extLst>
+                <a:ext uri="{FF2B5EF4-FFF2-40B4-BE49-F238E27FC236}">
+                  <a16:creationId xmlns:a16="http://schemas.microsoft.com/office/drawing/2014/main" id="{86AEACE9-7BE6-4FC5-9686-47F15ABA5695}"/>
+                </a:ext>
+                <a:ext uri="{C183D7F6-B498-43B3-948B-1728B52AA6E4}">
+                  <adec:decorative xmlns:adec="http://schemas.microsoft.com/office/drawing/2017/decorative" val="1"/>
+                </a:ext>
+              </a:extLst>
+            </p:cNvPr>
+            <p:cNvCxnSpPr>
+              <a:cxnSpLocks/>
+            </p:cNvCxnSpPr>
+            <p:nvPr>
+              <p:extLst>
+                <p:ext uri="{386F3935-93C4-4BCD-93E2-E3B085C9AB24}">
+                  <p16:designElem xmlns:p16="http://schemas.microsoft.com/office/powerpoint/2015/main" val="1"/>
+                </p:ext>
+              </p:extLst>
+            </p:nvPr>
+          </p:nvCxnSpPr>
+          <p:spPr>
+            <a:xfrm>
+              <a:off x="9187470" y="-1"/>
+              <a:ext cx="0" cy="6858000"/>
+            </a:xfrm>
+            <a:prstGeom prst="line">
+              <a:avLst/>
+            </a:prstGeom>
+            <a:ln w="19050">
+              <a:solidFill>
+                <a:schemeClr val="accent2">
+                  <a:alpha val="15000"/>
+                </a:schemeClr>
+              </a:solidFill>
+              <a:prstDash val="sysDot"/>
+            </a:ln>
+          </p:spPr>
+          <p:style>
+            <a:lnRef idx="1">
+              <a:schemeClr val="accent1"/>
+            </a:lnRef>
+            <a:fillRef idx="0">
+              <a:schemeClr val="accent1"/>
+            </a:fillRef>
+            <a:effectRef idx="0">
+              <a:schemeClr val="accent1"/>
+            </a:effectRef>
+            <a:fontRef idx="minor">
+              <a:schemeClr val="tx1"/>
+            </a:fontRef>
+          </p:style>
+        </p:cxnSp>
+        <p:cxnSp>
+          <p:nvCxnSpPr>
+            <p:cNvPr id="30" name="Straight Connector 29">
+              <a:extLst>
+                <a:ext uri="{FF2B5EF4-FFF2-40B4-BE49-F238E27FC236}">
+                  <a16:creationId xmlns:a16="http://schemas.microsoft.com/office/drawing/2014/main" id="{5DCAE5B4-5700-44A8-91DA-D8415FB04FA5}"/>
+                </a:ext>
+                <a:ext uri="{C183D7F6-B498-43B3-948B-1728B52AA6E4}">
+                  <adec:decorative xmlns:adec="http://schemas.microsoft.com/office/drawing/2017/decorative" val="1"/>
+                </a:ext>
+              </a:extLst>
+            </p:cNvPr>
+            <p:cNvCxnSpPr>
+              <a:cxnSpLocks/>
+            </p:cNvCxnSpPr>
+            <p:nvPr>
+              <p:extLst>
+                <p:ext uri="{386F3935-93C4-4BCD-93E2-E3B085C9AB24}">
+                  <p16:designElem xmlns:p16="http://schemas.microsoft.com/office/powerpoint/2015/main" val="1"/>
+                </p:ext>
+              </p:extLst>
+            </p:nvPr>
+          </p:nvCxnSpPr>
+          <p:spPr>
+            <a:xfrm>
+              <a:off x="10186908" y="-1"/>
+              <a:ext cx="0" cy="6858000"/>
+            </a:xfrm>
+            <a:prstGeom prst="line">
+              <a:avLst/>
+            </a:prstGeom>
+            <a:ln w="19050">
+              <a:solidFill>
+                <a:schemeClr val="accent2">
+                  <a:alpha val="15000"/>
+                </a:schemeClr>
+              </a:solidFill>
+              <a:prstDash val="sysDot"/>
+            </a:ln>
+          </p:spPr>
+          <p:style>
+            <a:lnRef idx="1">
+              <a:schemeClr val="accent1"/>
+            </a:lnRef>
+            <a:fillRef idx="0">
+              <a:schemeClr val="accent1"/>
+            </a:fillRef>
+            <a:effectRef idx="0">
+              <a:schemeClr val="accent1"/>
+            </a:effectRef>
+            <a:fontRef idx="minor">
+              <a:schemeClr val="tx1"/>
+            </a:fontRef>
+          </p:style>
+        </p:cxnSp>
+        <p:cxnSp>
+          <p:nvCxnSpPr>
+            <p:cNvPr id="31" name="Straight Connector 30">
+              <a:extLst>
+                <a:ext uri="{FF2B5EF4-FFF2-40B4-BE49-F238E27FC236}">
+                  <a16:creationId xmlns:a16="http://schemas.microsoft.com/office/drawing/2014/main" id="{F2F9D9C9-D01B-4870-8B33-310D77DF5B39}"/>
+                </a:ext>
+                <a:ext uri="{C183D7F6-B498-43B3-948B-1728B52AA6E4}">
+                  <adec:decorative xmlns:adec="http://schemas.microsoft.com/office/drawing/2017/decorative" val="1"/>
+                </a:ext>
+              </a:extLst>
+            </p:cNvPr>
+            <p:cNvCxnSpPr>
+              <a:cxnSpLocks/>
+            </p:cNvCxnSpPr>
+            <p:nvPr>
+              <p:extLst>
+                <p:ext uri="{386F3935-93C4-4BCD-93E2-E3B085C9AB24}">
+                  <p16:designElem xmlns:p16="http://schemas.microsoft.com/office/powerpoint/2015/main" val="1"/>
+                </p:ext>
+              </p:extLst>
+            </p:nvPr>
+          </p:nvCxnSpPr>
+          <p:spPr>
+            <a:xfrm>
+              <a:off x="11186346" y="-1"/>
+              <a:ext cx="0" cy="6858000"/>
+            </a:xfrm>
+            <a:prstGeom prst="line">
+              <a:avLst/>
+            </a:prstGeom>
+            <a:ln w="19050">
+              <a:solidFill>
+                <a:schemeClr val="accent2">
+                  <a:alpha val="15000"/>
+                </a:schemeClr>
+              </a:solidFill>
+              <a:prstDash val="sysDot"/>
+            </a:ln>
+          </p:spPr>
+          <p:style>
+            <a:lnRef idx="1">
+              <a:schemeClr val="accent1"/>
+            </a:lnRef>
+            <a:fillRef idx="0">
+              <a:schemeClr val="accent1"/>
+            </a:fillRef>
+            <a:effectRef idx="0">
+              <a:schemeClr val="accent1"/>
+            </a:effectRef>
+            <a:fontRef idx="minor">
+              <a:schemeClr val="tx1"/>
+            </a:fontRef>
+          </p:style>
+        </p:cxnSp>
+        <p:cxnSp>
+          <p:nvCxnSpPr>
+            <p:cNvPr id="32" name="Straight Connector 31">
+              <a:extLst>
+                <a:ext uri="{FF2B5EF4-FFF2-40B4-BE49-F238E27FC236}">
+                  <a16:creationId xmlns:a16="http://schemas.microsoft.com/office/drawing/2014/main" id="{905DDC7F-2142-41F1-B1E3-A37A0B6FD160}"/>
+                </a:ext>
+                <a:ext uri="{C183D7F6-B498-43B3-948B-1728B52AA6E4}">
+                  <adec:decorative xmlns:adec="http://schemas.microsoft.com/office/drawing/2017/decorative" val="1"/>
+                </a:ext>
+              </a:extLst>
+            </p:cNvPr>
+            <p:cNvCxnSpPr>
+              <a:cxnSpLocks/>
+            </p:cNvCxnSpPr>
+            <p:nvPr>
+              <p:extLst>
+                <p:ext uri="{386F3935-93C4-4BCD-93E2-E3B085C9AB24}">
+                  <p16:designElem xmlns:p16="http://schemas.microsoft.com/office/powerpoint/2015/main" val="1"/>
+                </p:ext>
+              </p:extLst>
+            </p:nvPr>
+          </p:nvCxnSpPr>
+          <p:spPr>
+            <a:xfrm>
+              <a:off x="12185786" y="-1"/>
+              <a:ext cx="0" cy="6858000"/>
+            </a:xfrm>
+            <a:prstGeom prst="line">
+              <a:avLst/>
+            </a:prstGeom>
+            <a:ln w="19050">
+              <a:solidFill>
+                <a:schemeClr val="accent2">
+                  <a:alpha val="15000"/>
+                </a:schemeClr>
+              </a:solidFill>
+              <a:prstDash val="sysDot"/>
+            </a:ln>
+          </p:spPr>
+          <p:style>
+            <a:lnRef idx="1">
+              <a:schemeClr val="accent1"/>
+            </a:lnRef>
+            <a:fillRef idx="0">
+              <a:schemeClr val="accent1"/>
+            </a:fillRef>
+            <a:effectRef idx="0">
+              <a:schemeClr val="accent1"/>
+            </a:effectRef>
+            <a:fontRef idx="minor">
+              <a:schemeClr val="tx1"/>
+            </a:fontRef>
+          </p:style>
+        </p:cxnSp>
+        <p:cxnSp>
+          <p:nvCxnSpPr>
+            <p:cNvPr id="33" name="Straight Connector 32">
+              <a:extLst>
+                <a:ext uri="{FF2B5EF4-FFF2-40B4-BE49-F238E27FC236}">
+                  <a16:creationId xmlns:a16="http://schemas.microsoft.com/office/drawing/2014/main" id="{51B19576-1AA2-4552-8D7D-831B13781491}"/>
+                </a:ext>
+                <a:ext uri="{C183D7F6-B498-43B3-948B-1728B52AA6E4}">
+                  <adec:decorative xmlns:adec="http://schemas.microsoft.com/office/drawing/2017/decorative" val="1"/>
+                </a:ext>
+              </a:extLst>
+            </p:cNvPr>
+            <p:cNvCxnSpPr>
+              <a:cxnSpLocks/>
+            </p:cNvCxnSpPr>
+            <p:nvPr>
+              <p:extLst>
+                <p:ext uri="{386F3935-93C4-4BCD-93E2-E3B085C9AB24}">
+                  <p16:designElem xmlns:p16="http://schemas.microsoft.com/office/powerpoint/2015/main" val="1"/>
+                </p:ext>
+              </p:extLst>
+            </p:nvPr>
+          </p:nvCxnSpPr>
+          <p:spPr>
+            <a:xfrm>
+              <a:off x="0" y="171716"/>
+              <a:ext cx="12192000" cy="0"/>
+            </a:xfrm>
+            <a:prstGeom prst="line">
+              <a:avLst/>
+            </a:prstGeom>
+            <a:ln w="19050">
+              <a:solidFill>
+                <a:schemeClr val="accent2">
+                  <a:alpha val="15000"/>
+                </a:schemeClr>
+              </a:solidFill>
+              <a:prstDash val="sysDot"/>
+            </a:ln>
+          </p:spPr>
+          <p:style>
+            <a:lnRef idx="1">
+              <a:schemeClr val="accent1"/>
+            </a:lnRef>
+            <a:fillRef idx="0">
+              <a:schemeClr val="accent1"/>
+            </a:fillRef>
+            <a:effectRef idx="0">
+              <a:schemeClr val="accent1"/>
+            </a:effectRef>
+            <a:fontRef idx="minor">
+              <a:schemeClr val="tx1"/>
+            </a:fontRef>
+          </p:style>
+        </p:cxnSp>
+        <p:cxnSp>
+          <p:nvCxnSpPr>
+            <p:cNvPr id="34" name="Straight Connector 33">
+              <a:extLst>
+                <a:ext uri="{FF2B5EF4-FFF2-40B4-BE49-F238E27FC236}">
+                  <a16:creationId xmlns:a16="http://schemas.microsoft.com/office/drawing/2014/main" id="{C504D005-AC5D-4160-8184-5BB45CE004E8}"/>
+                </a:ext>
+                <a:ext uri="{C183D7F6-B498-43B3-948B-1728B52AA6E4}">
+                  <adec:decorative xmlns:adec="http://schemas.microsoft.com/office/drawing/2017/decorative" val="1"/>
+                </a:ext>
+              </a:extLst>
+            </p:cNvPr>
+            <p:cNvCxnSpPr>
+              <a:cxnSpLocks/>
+            </p:cNvCxnSpPr>
+            <p:nvPr>
+              <p:extLst>
+                <p:ext uri="{386F3935-93C4-4BCD-93E2-E3B085C9AB24}">
+                  <p16:designElem xmlns:p16="http://schemas.microsoft.com/office/powerpoint/2015/main" val="1"/>
+                </p:ext>
+              </p:extLst>
+            </p:nvPr>
+          </p:nvCxnSpPr>
+          <p:spPr>
+            <a:xfrm>
+              <a:off x="0" y="728906"/>
+              <a:ext cx="12192000" cy="0"/>
+            </a:xfrm>
+            <a:prstGeom prst="line">
+              <a:avLst/>
+            </a:prstGeom>
+            <a:ln w="19050">
+              <a:solidFill>
+                <a:schemeClr val="accent2">
+                  <a:alpha val="15000"/>
+                </a:schemeClr>
+              </a:solidFill>
+              <a:prstDash val="sysDot"/>
+            </a:ln>
+          </p:spPr>
+          <p:style>
+            <a:lnRef idx="1">
+              <a:schemeClr val="accent1"/>
+            </a:lnRef>
+            <a:fillRef idx="0">
+              <a:schemeClr val="accent1"/>
+            </a:fillRef>
+            <a:effectRef idx="0">
+              <a:schemeClr val="accent1"/>
+            </a:effectRef>
+            <a:fontRef idx="minor">
+              <a:schemeClr val="tx1"/>
+            </a:fontRef>
+          </p:style>
+        </p:cxnSp>
+        <p:cxnSp>
+          <p:nvCxnSpPr>
+            <p:cNvPr id="35" name="Straight Connector 34">
+              <a:extLst>
+                <a:ext uri="{FF2B5EF4-FFF2-40B4-BE49-F238E27FC236}">
+                  <a16:creationId xmlns:a16="http://schemas.microsoft.com/office/drawing/2014/main" id="{DA540368-C5A6-4F28-A60E-763362A6E5BF}"/>
+                </a:ext>
+                <a:ext uri="{C183D7F6-B498-43B3-948B-1728B52AA6E4}">
+                  <adec:decorative xmlns:adec="http://schemas.microsoft.com/office/drawing/2017/decorative" val="1"/>
+                </a:ext>
+              </a:extLst>
+            </p:cNvPr>
+            <p:cNvCxnSpPr>
+              <a:cxnSpLocks/>
+            </p:cNvCxnSpPr>
+            <p:nvPr>
+              <p:extLst>
+                <p:ext uri="{386F3935-93C4-4BCD-93E2-E3B085C9AB24}">
+                  <p16:designElem xmlns:p16="http://schemas.microsoft.com/office/powerpoint/2015/main" val="1"/>
+                </p:ext>
+              </p:extLst>
+            </p:nvPr>
+          </p:nvCxnSpPr>
+          <p:spPr>
+            <a:xfrm>
+              <a:off x="0" y="1286096"/>
+              <a:ext cx="12192000" cy="0"/>
+            </a:xfrm>
+            <a:prstGeom prst="line">
+              <a:avLst/>
+            </a:prstGeom>
+            <a:ln w="19050">
+              <a:solidFill>
+                <a:schemeClr val="accent2">
+                  <a:alpha val="15000"/>
+                </a:schemeClr>
+              </a:solidFill>
+              <a:prstDash val="sysDot"/>
+            </a:ln>
+          </p:spPr>
+          <p:style>
+            <a:lnRef idx="1">
+              <a:schemeClr val="accent1"/>
+            </a:lnRef>
+            <a:fillRef idx="0">
+              <a:schemeClr val="accent1"/>
+            </a:fillRef>
+            <a:effectRef idx="0">
+              <a:schemeClr val="accent1"/>
+            </a:effectRef>
+            <a:fontRef idx="minor">
+              <a:schemeClr val="tx1"/>
+            </a:fontRef>
+          </p:style>
+        </p:cxnSp>
+        <p:cxnSp>
+          <p:nvCxnSpPr>
+            <p:cNvPr id="36" name="Straight Connector 35">
+              <a:extLst>
+                <a:ext uri="{FF2B5EF4-FFF2-40B4-BE49-F238E27FC236}">
+                  <a16:creationId xmlns:a16="http://schemas.microsoft.com/office/drawing/2014/main" id="{767B4722-C810-495C-BB11-45141E367DC8}"/>
+                </a:ext>
+                <a:ext uri="{C183D7F6-B498-43B3-948B-1728B52AA6E4}">
+                  <adec:decorative xmlns:adec="http://schemas.microsoft.com/office/drawing/2017/decorative" val="1"/>
+                </a:ext>
+              </a:extLst>
+            </p:cNvPr>
+            <p:cNvCxnSpPr>
+              <a:cxnSpLocks/>
+            </p:cNvCxnSpPr>
+            <p:nvPr>
+              <p:extLst>
+                <p:ext uri="{386F3935-93C4-4BCD-93E2-E3B085C9AB24}">
+                  <p16:designElem xmlns:p16="http://schemas.microsoft.com/office/powerpoint/2015/main" val="1"/>
+                </p:ext>
+              </p:extLst>
+            </p:nvPr>
+          </p:nvCxnSpPr>
+          <p:spPr>
+            <a:xfrm>
+              <a:off x="0" y="1843286"/>
+              <a:ext cx="12192000" cy="0"/>
+            </a:xfrm>
+            <a:prstGeom prst="line">
+              <a:avLst/>
+            </a:prstGeom>
+            <a:ln w="19050">
+              <a:solidFill>
+                <a:schemeClr val="accent2">
+                  <a:alpha val="15000"/>
+                </a:schemeClr>
+              </a:solidFill>
+              <a:prstDash val="sysDot"/>
+            </a:ln>
+          </p:spPr>
+          <p:style>
+            <a:lnRef idx="1">
+              <a:schemeClr val="accent1"/>
+            </a:lnRef>
+            <a:fillRef idx="0">
+              <a:schemeClr val="accent1"/>
+            </a:fillRef>
+            <a:effectRef idx="0">
+              <a:schemeClr val="accent1"/>
+            </a:effectRef>
+            <a:fontRef idx="minor">
+              <a:schemeClr val="tx1"/>
+            </a:fontRef>
+          </p:style>
+        </p:cxnSp>
+        <p:cxnSp>
+          <p:nvCxnSpPr>
+            <p:cNvPr id="37" name="Straight Connector 36">
+              <a:extLst>
+                <a:ext uri="{FF2B5EF4-FFF2-40B4-BE49-F238E27FC236}">
+                  <a16:creationId xmlns:a16="http://schemas.microsoft.com/office/drawing/2014/main" id="{83B1706B-6FE4-44FB-B429-E59AE3B16DB7}"/>
+                </a:ext>
+                <a:ext uri="{C183D7F6-B498-43B3-948B-1728B52AA6E4}">
+                  <adec:decorative xmlns:adec="http://schemas.microsoft.com/office/drawing/2017/decorative" val="1"/>
+                </a:ext>
+              </a:extLst>
+            </p:cNvPr>
+            <p:cNvCxnSpPr>
+              <a:cxnSpLocks/>
+            </p:cNvCxnSpPr>
+            <p:nvPr>
+              <p:extLst>
+                <p:ext uri="{386F3935-93C4-4BCD-93E2-E3B085C9AB24}">
+                  <p16:designElem xmlns:p16="http://schemas.microsoft.com/office/powerpoint/2015/main" val="1"/>
+                </p:ext>
+              </p:extLst>
+            </p:nvPr>
+          </p:nvCxnSpPr>
+          <p:spPr>
+            <a:xfrm>
+              <a:off x="0" y="2400476"/>
+              <a:ext cx="12192000" cy="0"/>
+            </a:xfrm>
+            <a:prstGeom prst="line">
+              <a:avLst/>
+            </a:prstGeom>
+            <a:ln w="19050">
+              <a:solidFill>
+                <a:schemeClr val="accent2">
+                  <a:alpha val="15000"/>
+                </a:schemeClr>
+              </a:solidFill>
+              <a:prstDash val="sysDot"/>
+            </a:ln>
+          </p:spPr>
+          <p:style>
+            <a:lnRef idx="1">
+              <a:schemeClr val="accent1"/>
+            </a:lnRef>
+            <a:fillRef idx="0">
+              <a:schemeClr val="accent1"/>
+            </a:fillRef>
+            <a:effectRef idx="0">
+              <a:schemeClr val="accent1"/>
+            </a:effectRef>
+            <a:fontRef idx="minor">
+              <a:schemeClr val="tx1"/>
+            </a:fontRef>
+          </p:style>
+        </p:cxnSp>
+        <p:cxnSp>
+          <p:nvCxnSpPr>
+            <p:cNvPr id="38" name="Straight Connector 37">
+              <a:extLst>
+                <a:ext uri="{FF2B5EF4-FFF2-40B4-BE49-F238E27FC236}">
+                  <a16:creationId xmlns:a16="http://schemas.microsoft.com/office/drawing/2014/main" id="{F9DD5DAD-1CA2-48BA-94BF-70B1AC2BB58B}"/>
+                </a:ext>
+                <a:ext uri="{C183D7F6-B498-43B3-948B-1728B52AA6E4}">
+                  <adec:decorative xmlns:adec="http://schemas.microsoft.com/office/drawing/2017/decorative" val="1"/>
+                </a:ext>
+              </a:extLst>
+            </p:cNvPr>
+            <p:cNvCxnSpPr>
+              <a:cxnSpLocks/>
+            </p:cNvCxnSpPr>
+            <p:nvPr>
+              <p:extLst>
+                <p:ext uri="{386F3935-93C4-4BCD-93E2-E3B085C9AB24}">
+                  <p16:designElem xmlns:p16="http://schemas.microsoft.com/office/powerpoint/2015/main" val="1"/>
+                </p:ext>
+              </p:extLst>
+            </p:nvPr>
+          </p:nvCxnSpPr>
+          <p:spPr>
+            <a:xfrm>
+              <a:off x="0" y="2957666"/>
+              <a:ext cx="12192000" cy="0"/>
+            </a:xfrm>
+            <a:prstGeom prst="line">
+              <a:avLst/>
+            </a:prstGeom>
+            <a:ln w="19050">
+              <a:solidFill>
+                <a:schemeClr val="accent2">
+                  <a:alpha val="15000"/>
+                </a:schemeClr>
+              </a:solidFill>
+              <a:prstDash val="sysDot"/>
+            </a:ln>
+          </p:spPr>
+          <p:style>
+            <a:lnRef idx="1">
+              <a:schemeClr val="accent1"/>
+            </a:lnRef>
+            <a:fillRef idx="0">
+              <a:schemeClr val="accent1"/>
+            </a:fillRef>
+            <a:effectRef idx="0">
+              <a:schemeClr val="accent1"/>
+            </a:effectRef>
+            <a:fontRef idx="minor">
+              <a:schemeClr val="tx1"/>
+            </a:fontRef>
+          </p:style>
+        </p:cxnSp>
+        <p:cxnSp>
+          <p:nvCxnSpPr>
+            <p:cNvPr id="39" name="Straight Connector 38">
+              <a:extLst>
+                <a:ext uri="{FF2B5EF4-FFF2-40B4-BE49-F238E27FC236}">
+                  <a16:creationId xmlns:a16="http://schemas.microsoft.com/office/drawing/2014/main" id="{076A21FA-0159-4468-9737-BDBD34261835}"/>
+                </a:ext>
+                <a:ext uri="{C183D7F6-B498-43B3-948B-1728B52AA6E4}">
+                  <adec:decorative xmlns:adec="http://schemas.microsoft.com/office/drawing/2017/decorative" val="1"/>
+                </a:ext>
+              </a:extLst>
+            </p:cNvPr>
+            <p:cNvCxnSpPr>
+              <a:cxnSpLocks/>
+            </p:cNvCxnSpPr>
+            <p:nvPr>
+              <p:extLst>
+                <p:ext uri="{386F3935-93C4-4BCD-93E2-E3B085C9AB24}">
+                  <p16:designElem xmlns:p16="http://schemas.microsoft.com/office/powerpoint/2015/main" val="1"/>
+                </p:ext>
+              </p:extLst>
+            </p:nvPr>
+          </p:nvCxnSpPr>
+          <p:spPr>
+            <a:xfrm>
+              <a:off x="0" y="3514856"/>
+              <a:ext cx="12192000" cy="0"/>
+            </a:xfrm>
+            <a:prstGeom prst="line">
+              <a:avLst/>
+            </a:prstGeom>
+            <a:ln w="19050">
+              <a:solidFill>
+                <a:schemeClr val="accent2">
+                  <a:alpha val="15000"/>
+                </a:schemeClr>
+              </a:solidFill>
+              <a:prstDash val="sysDot"/>
+            </a:ln>
+          </p:spPr>
+          <p:style>
+            <a:lnRef idx="1">
+              <a:schemeClr val="accent1"/>
+            </a:lnRef>
+            <a:fillRef idx="0">
+              <a:schemeClr val="accent1"/>
+            </a:fillRef>
+            <a:effectRef idx="0">
+              <a:schemeClr val="accent1"/>
+            </a:effectRef>
+            <a:fontRef idx="minor">
+              <a:schemeClr val="tx1"/>
+            </a:fontRef>
+          </p:style>
+        </p:cxnSp>
+        <p:cxnSp>
+          <p:nvCxnSpPr>
+            <p:cNvPr id="40" name="Straight Connector 39">
+              <a:extLst>
+                <a:ext uri="{FF2B5EF4-FFF2-40B4-BE49-F238E27FC236}">
+                  <a16:creationId xmlns:a16="http://schemas.microsoft.com/office/drawing/2014/main" id="{0870688F-0FB0-4A4A-9F90-7EAE14CAE20A}"/>
+                </a:ext>
+                <a:ext uri="{C183D7F6-B498-43B3-948B-1728B52AA6E4}">
+                  <adec:decorative xmlns:adec="http://schemas.microsoft.com/office/drawing/2017/decorative" val="1"/>
+                </a:ext>
+              </a:extLst>
+            </p:cNvPr>
+            <p:cNvCxnSpPr>
+              <a:cxnSpLocks/>
+            </p:cNvCxnSpPr>
+            <p:nvPr>
+              <p:extLst>
+                <p:ext uri="{386F3935-93C4-4BCD-93E2-E3B085C9AB24}">
+                  <p16:designElem xmlns:p16="http://schemas.microsoft.com/office/powerpoint/2015/main" val="1"/>
+                </p:ext>
+              </p:extLst>
+            </p:nvPr>
+          </p:nvCxnSpPr>
+          <p:spPr>
+            <a:xfrm>
+              <a:off x="0" y="4072046"/>
+              <a:ext cx="12192000" cy="0"/>
+            </a:xfrm>
+            <a:prstGeom prst="line">
+              <a:avLst/>
+            </a:prstGeom>
+            <a:ln w="19050">
+              <a:solidFill>
+                <a:schemeClr val="accent2">
+                  <a:alpha val="15000"/>
+                </a:schemeClr>
+              </a:solidFill>
+              <a:prstDash val="sysDot"/>
+            </a:ln>
+          </p:spPr>
+          <p:style>
+            <a:lnRef idx="1">
+              <a:schemeClr val="accent1"/>
+            </a:lnRef>
+            <a:fillRef idx="0">
+              <a:schemeClr val="accent1"/>
+            </a:fillRef>
+            <a:effectRef idx="0">
+              <a:schemeClr val="accent1"/>
+            </a:effectRef>
+            <a:fontRef idx="minor">
+              <a:schemeClr val="tx1"/>
+            </a:fontRef>
+          </p:style>
+        </p:cxnSp>
+        <p:cxnSp>
+          <p:nvCxnSpPr>
+            <p:cNvPr id="41" name="Straight Connector 40">
+              <a:extLst>
+                <a:ext uri="{FF2B5EF4-FFF2-40B4-BE49-F238E27FC236}">
+                  <a16:creationId xmlns:a16="http://schemas.microsoft.com/office/drawing/2014/main" id="{8F7D7D25-8970-4DD6-A3D7-0D550BA85CF2}"/>
+                </a:ext>
+                <a:ext uri="{C183D7F6-B498-43B3-948B-1728B52AA6E4}">
+                  <adec:decorative xmlns:adec="http://schemas.microsoft.com/office/drawing/2017/decorative" val="1"/>
+                </a:ext>
+              </a:extLst>
+            </p:cNvPr>
+            <p:cNvCxnSpPr>
+              <a:cxnSpLocks/>
+            </p:cNvCxnSpPr>
+            <p:nvPr>
+              <p:extLst>
+                <p:ext uri="{386F3935-93C4-4BCD-93E2-E3B085C9AB24}">
+                  <p16:designElem xmlns:p16="http://schemas.microsoft.com/office/powerpoint/2015/main" val="1"/>
+                </p:ext>
+              </p:extLst>
+            </p:nvPr>
+          </p:nvCxnSpPr>
+          <p:spPr>
+            <a:xfrm>
+              <a:off x="0" y="4629236"/>
+              <a:ext cx="12192000" cy="0"/>
+            </a:xfrm>
+            <a:prstGeom prst="line">
+              <a:avLst/>
+            </a:prstGeom>
+            <a:ln w="19050">
+              <a:solidFill>
+                <a:schemeClr val="accent2">
+                  <a:alpha val="15000"/>
+                </a:schemeClr>
+              </a:solidFill>
+              <a:prstDash val="sysDot"/>
+            </a:ln>
+          </p:spPr>
+          <p:style>
+            <a:lnRef idx="1">
+              <a:schemeClr val="accent1"/>
+            </a:lnRef>
+            <a:fillRef idx="0">
+              <a:schemeClr val="accent1"/>
+            </a:fillRef>
+            <a:effectRef idx="0">
+              <a:schemeClr val="accent1"/>
+            </a:effectRef>
+            <a:fontRef idx="minor">
+              <a:schemeClr val="tx1"/>
+            </a:fontRef>
+          </p:style>
+        </p:cxnSp>
+        <p:cxnSp>
+          <p:nvCxnSpPr>
+            <p:cNvPr id="42" name="Straight Connector 41">
+              <a:extLst>
+                <a:ext uri="{FF2B5EF4-FFF2-40B4-BE49-F238E27FC236}">
+                  <a16:creationId xmlns:a16="http://schemas.microsoft.com/office/drawing/2014/main" id="{8B480E32-418E-4DE3-B6E7-2F803A2C756C}"/>
+                </a:ext>
+                <a:ext uri="{C183D7F6-B498-43B3-948B-1728B52AA6E4}">
+                  <adec:decorative xmlns:adec="http://schemas.microsoft.com/office/drawing/2017/decorative" val="1"/>
+                </a:ext>
+              </a:extLst>
+            </p:cNvPr>
+            <p:cNvCxnSpPr>
+              <a:cxnSpLocks/>
+            </p:cNvCxnSpPr>
+            <p:nvPr>
+              <p:extLst>
+                <p:ext uri="{386F3935-93C4-4BCD-93E2-E3B085C9AB24}">
+                  <p16:designElem xmlns:p16="http://schemas.microsoft.com/office/powerpoint/2015/main" val="1"/>
+                </p:ext>
+              </p:extLst>
+            </p:nvPr>
+          </p:nvCxnSpPr>
+          <p:spPr>
+            <a:xfrm>
+              <a:off x="0" y="5186426"/>
+              <a:ext cx="12192000" cy="0"/>
+            </a:xfrm>
+            <a:prstGeom prst="line">
+              <a:avLst/>
+            </a:prstGeom>
+            <a:ln w="19050">
+              <a:solidFill>
+                <a:schemeClr val="accent2">
+                  <a:alpha val="15000"/>
+                </a:schemeClr>
+              </a:solidFill>
+              <a:prstDash val="sysDot"/>
+            </a:ln>
+          </p:spPr>
+          <p:style>
+            <a:lnRef idx="1">
+              <a:schemeClr val="accent1"/>
+            </a:lnRef>
+            <a:fillRef idx="0">
+              <a:schemeClr val="accent1"/>
+            </a:fillRef>
+            <a:effectRef idx="0">
+              <a:schemeClr val="accent1"/>
+            </a:effectRef>
+            <a:fontRef idx="minor">
+              <a:schemeClr val="tx1"/>
+            </a:fontRef>
+          </p:style>
+        </p:cxnSp>
+        <p:cxnSp>
+          <p:nvCxnSpPr>
+            <p:cNvPr id="43" name="Straight Connector 42">
+              <a:extLst>
+                <a:ext uri="{FF2B5EF4-FFF2-40B4-BE49-F238E27FC236}">
+                  <a16:creationId xmlns:a16="http://schemas.microsoft.com/office/drawing/2014/main" id="{0985F833-A609-4B9C-A0D7-6DF88DB7BA25}"/>
+                </a:ext>
+                <a:ext uri="{C183D7F6-B498-43B3-948B-1728B52AA6E4}">
+                  <adec:decorative xmlns:adec="http://schemas.microsoft.com/office/drawing/2017/decorative" val="1"/>
+                </a:ext>
+              </a:extLst>
+            </p:cNvPr>
+            <p:cNvCxnSpPr>
+              <a:cxnSpLocks/>
+            </p:cNvCxnSpPr>
+            <p:nvPr>
+              <p:extLst>
+                <p:ext uri="{386F3935-93C4-4BCD-93E2-E3B085C9AB24}">
+                  <p16:designElem xmlns:p16="http://schemas.microsoft.com/office/powerpoint/2015/main" val="1"/>
+                </p:ext>
+              </p:extLst>
+            </p:nvPr>
+          </p:nvCxnSpPr>
+          <p:spPr>
+            <a:xfrm>
+              <a:off x="0" y="5743616"/>
+              <a:ext cx="12192000" cy="0"/>
+            </a:xfrm>
+            <a:prstGeom prst="line">
+              <a:avLst/>
+            </a:prstGeom>
+            <a:ln w="19050">
+              <a:solidFill>
+                <a:schemeClr val="accent2">
+                  <a:alpha val="15000"/>
+                </a:schemeClr>
+              </a:solidFill>
+              <a:prstDash val="sysDot"/>
+            </a:ln>
+          </p:spPr>
+          <p:style>
+            <a:lnRef idx="1">
+              <a:schemeClr val="accent1"/>
+            </a:lnRef>
+            <a:fillRef idx="0">
+              <a:schemeClr val="accent1"/>
+            </a:fillRef>
+            <a:effectRef idx="0">
+              <a:schemeClr val="accent1"/>
+            </a:effectRef>
+            <a:fontRef idx="minor">
+              <a:schemeClr val="tx1"/>
+            </a:fontRef>
+          </p:style>
+        </p:cxnSp>
+        <p:cxnSp>
+          <p:nvCxnSpPr>
+            <p:cNvPr id="44" name="Straight Connector 43">
+              <a:extLst>
+                <a:ext uri="{FF2B5EF4-FFF2-40B4-BE49-F238E27FC236}">
+                  <a16:creationId xmlns:a16="http://schemas.microsoft.com/office/drawing/2014/main" id="{DAA9A587-B078-4028-A924-4A6DDDA2C41E}"/>
+                </a:ext>
+                <a:ext uri="{C183D7F6-B498-43B3-948B-1728B52AA6E4}">
+                  <adec:decorative xmlns:adec="http://schemas.microsoft.com/office/drawing/2017/decorative" val="1"/>
+                </a:ext>
+              </a:extLst>
+            </p:cNvPr>
+            <p:cNvCxnSpPr>
+              <a:cxnSpLocks/>
+            </p:cNvCxnSpPr>
+            <p:nvPr>
+              <p:extLst>
+                <p:ext uri="{386F3935-93C4-4BCD-93E2-E3B085C9AB24}">
+                  <p16:designElem xmlns:p16="http://schemas.microsoft.com/office/powerpoint/2015/main" val="1"/>
+                </p:ext>
+              </p:extLst>
+            </p:nvPr>
+          </p:nvCxnSpPr>
+          <p:spPr>
+            <a:xfrm>
+              <a:off x="0" y="6857999"/>
+              <a:ext cx="12192000" cy="0"/>
+            </a:xfrm>
+            <a:prstGeom prst="line">
+              <a:avLst/>
+            </a:prstGeom>
+            <a:ln w="19050">
+              <a:solidFill>
+                <a:schemeClr val="accent2">
+                  <a:alpha val="15000"/>
+                </a:schemeClr>
+              </a:solidFill>
+              <a:prstDash val="sysDot"/>
+            </a:ln>
+          </p:spPr>
+          <p:style>
+            <a:lnRef idx="1">
+              <a:schemeClr val="accent1"/>
+            </a:lnRef>
+            <a:fillRef idx="0">
+              <a:schemeClr val="accent1"/>
+            </a:fillRef>
+            <a:effectRef idx="0">
+              <a:schemeClr val="accent1"/>
+            </a:effectRef>
+            <a:fontRef idx="minor">
+              <a:schemeClr val="tx1"/>
+            </a:fontRef>
+          </p:style>
+        </p:cxnSp>
+        <p:cxnSp>
+          <p:nvCxnSpPr>
+            <p:cNvPr id="45" name="Straight Connector 44">
+              <a:extLst>
+                <a:ext uri="{FF2B5EF4-FFF2-40B4-BE49-F238E27FC236}">
+                  <a16:creationId xmlns:a16="http://schemas.microsoft.com/office/drawing/2014/main" id="{1E2E5E8E-3025-4C93-9E63-9C47C5BBA997}"/>
+                </a:ext>
+                <a:ext uri="{C183D7F6-B498-43B3-948B-1728B52AA6E4}">
+                  <adec:decorative xmlns:adec="http://schemas.microsoft.com/office/drawing/2017/decorative" val="1"/>
+                </a:ext>
+              </a:extLst>
+            </p:cNvPr>
+            <p:cNvCxnSpPr>
+              <a:cxnSpLocks/>
+            </p:cNvCxnSpPr>
+            <p:nvPr>
+              <p:extLst>
+                <p:ext uri="{386F3935-93C4-4BCD-93E2-E3B085C9AB24}">
+                  <p16:designElem xmlns:p16="http://schemas.microsoft.com/office/powerpoint/2015/main" val="1"/>
+                </p:ext>
+              </p:extLst>
+            </p:nvPr>
+          </p:nvCxnSpPr>
+          <p:spPr>
+            <a:xfrm>
+              <a:off x="16613" y="6248400"/>
+              <a:ext cx="12192000" cy="0"/>
+            </a:xfrm>
+            <a:prstGeom prst="line">
+              <a:avLst/>
+            </a:prstGeom>
+            <a:ln w="19050">
+              <a:solidFill>
+                <a:schemeClr val="accent2">
+                  <a:alpha val="15000"/>
+                </a:schemeClr>
+              </a:solidFill>
+              <a:prstDash val="sysDot"/>
+            </a:ln>
+          </p:spPr>
+          <p:style>
+            <a:lnRef idx="1">
+              <a:schemeClr val="accent1"/>
+            </a:lnRef>
+            <a:fillRef idx="0">
+              <a:schemeClr val="accent1"/>
+            </a:fillRef>
+            <a:effectRef idx="0">
+              <a:schemeClr val="accent1"/>
+            </a:effectRef>
+            <a:fontRef idx="minor">
+              <a:schemeClr val="tx1"/>
+            </a:fontRef>
+          </p:style>
+        </p:cxnSp>
+      </p:grpSp>
+      <p:sp>
+        <p:nvSpPr>
+          <p:cNvPr id="2" name="Title 1">
+            <a:extLst>
+              <a:ext uri="{FF2B5EF4-FFF2-40B4-BE49-F238E27FC236}">
                 <a16:creationId xmlns:a16="http://schemas.microsoft.com/office/drawing/2014/main" id="{36985A84-32A4-0E8E-560A-08A5F3941A34}"/>
               </a:ext>
             </a:extLst>
@@ -7189,13 +9087,20 @@
             <p:ph type="title"/>
           </p:nvPr>
         </p:nvSpPr>
-        <p:spPr/>
+        <p:spPr>
+          <a:xfrm>
+            <a:off x="457200" y="725469"/>
+            <a:ext cx="4952999" cy="2247614"/>
+          </a:xfrm>
+        </p:spPr>
         <p:txBody>
-          <a:bodyPr/>
+          <a:bodyPr>
+            <a:normAutofit/>
+          </a:bodyPr>
           <a:lstStyle/>
           <a:p>
             <a:r>
-              <a:rPr lang="pl-PL" dirty="0" err="1"/>
+              <a:rPr lang="pl-PL"/>
               <a:t>What</a:t>
             </a:r>
             <a:r>
@@ -7203,7 +9108,7 @@
               <a:t> </a:t>
             </a:r>
             <a:r>
-              <a:rPr lang="pl-PL" dirty="0" err="1"/>
+              <a:rPr lang="pl-PL"/>
               <a:t>is</a:t>
             </a:r>
             <a:r>
@@ -7211,7 +9116,7 @@
               <a:t> </a:t>
             </a:r>
             <a:r>
-              <a:rPr lang="pl-PL" dirty="0" err="1"/>
+              <a:rPr lang="pl-PL"/>
               <a:t>Streamlit</a:t>
             </a:r>
             <a:r>
@@ -7238,112 +9143,256 @@
             <p:ph idx="1"/>
           </p:nvPr>
         </p:nvSpPr>
-        <p:spPr/>
+        <p:spPr>
+          <a:xfrm>
+            <a:off x="457200" y="2572193"/>
+            <a:ext cx="5548688" cy="3702133"/>
+          </a:xfrm>
+        </p:spPr>
         <p:txBody>
-          <a:bodyPr/>
+          <a:bodyPr>
+            <a:normAutofit/>
+          </a:bodyPr>
           <a:lstStyle/>
           <a:p>
             <a:r>
-              <a:rPr lang="pl-PL" dirty="0" err="1"/>
+              <a:rPr lang="pl-PL" sz="2400" dirty="0" err="1"/>
               <a:t>An</a:t>
             </a:r>
             <a:r>
-              <a:rPr lang="pl-PL" dirty="0"/>
+              <a:rPr lang="pl-PL" sz="2400" dirty="0"/>
               <a:t> open-</a:t>
             </a:r>
             <a:r>
-              <a:rPr lang="pl-PL" dirty="0" err="1"/>
+              <a:rPr lang="pl-PL" sz="2400" dirty="0" err="1"/>
               <a:t>source</a:t>
             </a:r>
             <a:r>
-              <a:rPr lang="pl-PL" dirty="0"/>
+              <a:rPr lang="pl-PL" sz="2400" dirty="0"/>
               <a:t> </a:t>
             </a:r>
             <a:r>
-              <a:rPr lang="pl-PL" dirty="0" err="1"/>
+              <a:rPr lang="pl-PL" sz="2400" dirty="0" err="1"/>
               <a:t>Python</a:t>
             </a:r>
             <a:r>
-              <a:rPr lang="pl-PL" dirty="0"/>
+              <a:rPr lang="pl-PL" sz="2400" dirty="0"/>
               <a:t> </a:t>
             </a:r>
             <a:r>
-              <a:rPr lang="pl-PL" dirty="0" err="1"/>
+              <a:rPr lang="pl-PL" sz="2400" dirty="0" err="1"/>
               <a:t>framework</a:t>
             </a:r>
-            <a:endParaRPr lang="pl-PL" dirty="0"/>
-          </a:p>
-          <a:p>
-            <a:r>
-              <a:rPr lang="pl-PL" dirty="0" err="1"/>
+            <a:endParaRPr lang="pl-PL" sz="2400" dirty="0"/>
+          </a:p>
+          <a:p>
+            <a:r>
+              <a:rPr lang="pl-PL" sz="2400" dirty="0" err="1"/>
               <a:t>Used</a:t>
             </a:r>
             <a:r>
-              <a:rPr lang="pl-PL" dirty="0"/>
+              <a:rPr lang="pl-PL" sz="2400" dirty="0"/>
               <a:t> to </a:t>
             </a:r>
             <a:r>
-              <a:rPr lang="pl-PL" dirty="0" err="1"/>
+              <a:rPr lang="pl-PL" sz="2400" dirty="0" err="1"/>
               <a:t>build</a:t>
             </a:r>
             <a:r>
-              <a:rPr lang="pl-PL" dirty="0"/>
+              <a:rPr lang="pl-PL" sz="2400" dirty="0"/>
               <a:t> </a:t>
             </a:r>
             <a:r>
-              <a:rPr lang="pl-PL" dirty="0" err="1"/>
+              <a:rPr lang="pl-PL" sz="2400" dirty="0" err="1"/>
               <a:t>interactive</a:t>
             </a:r>
             <a:r>
-              <a:rPr lang="pl-PL" dirty="0"/>
+              <a:rPr lang="pl-PL" sz="2400" dirty="0"/>
               <a:t> data </a:t>
             </a:r>
             <a:r>
-              <a:rPr lang="pl-PL" dirty="0" err="1"/>
+              <a:rPr lang="pl-PL" sz="2400" dirty="0" err="1"/>
               <a:t>apps</a:t>
             </a:r>
-            <a:endParaRPr lang="pl-PL" dirty="0"/>
-          </a:p>
-          <a:p>
-            <a:r>
-              <a:rPr lang="pl-PL" dirty="0" err="1"/>
+            <a:endParaRPr lang="pl-PL" sz="2400" dirty="0"/>
+          </a:p>
+          <a:p>
+            <a:r>
+              <a:rPr lang="pl-PL" sz="2400" dirty="0" err="1"/>
               <a:t>Intuitive</a:t>
             </a:r>
             <a:r>
-              <a:rPr lang="pl-PL" dirty="0"/>
+              <a:rPr lang="pl-PL" sz="2400" dirty="0"/>
               <a:t> </a:t>
             </a:r>
             <a:r>
-              <a:rPr lang="pl-PL" dirty="0" err="1"/>
+              <a:rPr lang="pl-PL" sz="2400" dirty="0" err="1"/>
               <a:t>syntax</a:t>
             </a:r>
-            <a:endParaRPr lang="pl-PL" dirty="0"/>
-          </a:p>
-          <a:p>
-            <a:r>
-              <a:rPr lang="pl-PL" dirty="0" err="1"/>
+            <a:endParaRPr lang="pl-PL" sz="2400" dirty="0"/>
+          </a:p>
+          <a:p>
+            <a:r>
+              <a:rPr lang="pl-PL" sz="2400" dirty="0" err="1"/>
               <a:t>Minimal</a:t>
             </a:r>
             <a:r>
-              <a:rPr lang="pl-PL" dirty="0"/>
+              <a:rPr lang="pl-PL" sz="2400" dirty="0"/>
               <a:t> </a:t>
             </a:r>
             <a:r>
-              <a:rPr lang="pl-PL" dirty="0" err="1"/>
+              <a:rPr lang="pl-PL" sz="2400" dirty="0" err="1"/>
               <a:t>experience</a:t>
             </a:r>
             <a:r>
-              <a:rPr lang="pl-PL" dirty="0"/>
+              <a:rPr lang="pl-PL" sz="2400" dirty="0"/>
               <a:t> </a:t>
             </a:r>
             <a:r>
-              <a:rPr lang="pl-PL"/>
+              <a:rPr lang="pl-PL" sz="2400" dirty="0" err="1"/>
               <a:t>required</a:t>
             </a:r>
-            <a:endParaRPr lang="en-GB" dirty="0"/>
+            <a:endParaRPr lang="en-GB" sz="2400" dirty="0"/>
           </a:p>
         </p:txBody>
       </p:sp>
+      <p:sp>
+        <p:nvSpPr>
+          <p:cNvPr id="47" name="Flowchart: Document 46">
+            <a:extLst>
+              <a:ext uri="{FF2B5EF4-FFF2-40B4-BE49-F238E27FC236}">
+                <a16:creationId xmlns:a16="http://schemas.microsoft.com/office/drawing/2014/main" id="{A890253F-325A-4AC7-AF5F-06FB890E8F0E}"/>
+              </a:ext>
+              <a:ext uri="{C183D7F6-B498-43B3-948B-1728B52AA6E4}">
+                <adec:decorative xmlns:adec="http://schemas.microsoft.com/office/drawing/2017/decorative" val="1"/>
+              </a:ext>
+            </a:extLst>
+          </p:cNvPr>
+          <p:cNvSpPr>
+            <a:spLocks noGrp="1" noRot="1" noChangeAspect="1" noMove="1" noResize="1" noEditPoints="1" noAdjustHandles="1" noChangeArrowheads="1" noChangeShapeType="1" noTextEdit="1"/>
+          </p:cNvSpPr>
+          <p:nvPr>
+            <p:extLst>
+              <p:ext uri="{386F3935-93C4-4BCD-93E2-E3B085C9AB24}">
+                <p16:designElem xmlns:p16="http://schemas.microsoft.com/office/powerpoint/2015/main" val="1"/>
+              </p:ext>
+            </p:extLst>
+          </p:nvPr>
+        </p:nvSpPr>
+        <p:spPr>
+          <a:xfrm rot="5400000">
+            <a:off x="7455724" y="2105114"/>
+            <a:ext cx="6858000" cy="2647778"/>
+          </a:xfrm>
+          <a:prstGeom prst="flowChartDocument">
+            <a:avLst/>
+          </a:prstGeom>
+          <a:solidFill>
+            <a:schemeClr val="accent5">
+              <a:lumMod val="50000"/>
+              <a:alpha val="20000"/>
+            </a:schemeClr>
+          </a:solidFill>
+          <a:ln>
+            <a:noFill/>
+          </a:ln>
+        </p:spPr>
+        <p:style>
+          <a:lnRef idx="2">
+            <a:schemeClr val="accent1">
+              <a:shade val="50000"/>
+            </a:schemeClr>
+          </a:lnRef>
+          <a:fillRef idx="1">
+            <a:schemeClr val="accent1"/>
+          </a:fillRef>
+          <a:effectRef idx="0">
+            <a:schemeClr val="accent1"/>
+          </a:effectRef>
+          <a:fontRef idx="minor">
+            <a:schemeClr val="lt1"/>
+          </a:fontRef>
+        </p:style>
+        <p:txBody>
+          <a:bodyPr rtlCol="0" anchor="ctr"/>
+          <a:lstStyle/>
+          <a:p>
+            <a:pPr algn="ctr"/>
+            <a:endParaRPr lang="en-US" dirty="0">
+              <a:solidFill>
+                <a:schemeClr val="tx1"/>
+              </a:solidFill>
+            </a:endParaRPr>
+          </a:p>
+        </p:txBody>
+      </p:sp>
+      <p:pic>
+        <p:nvPicPr>
+          <p:cNvPr id="5" name="Picture 4" descr="A red paper boat with triangle shapes">
+            <a:extLst>
+              <a:ext uri="{FF2B5EF4-FFF2-40B4-BE49-F238E27FC236}">
+                <a16:creationId xmlns:a16="http://schemas.microsoft.com/office/drawing/2014/main" id="{5F5ABAD7-6979-C07D-03A1-435FD917F59B}"/>
+              </a:ext>
+            </a:extLst>
+          </p:cNvPr>
+          <p:cNvPicPr>
+            <a:picLocks noChangeAspect="1"/>
+          </p:cNvPicPr>
+          <p:nvPr/>
+        </p:nvPicPr>
+        <p:blipFill>
+          <a:blip r:embed="rId2">
+            <a:extLst>
+              <a:ext uri="{28A0092B-C50C-407E-A947-70E740481C1C}">
+                <a14:useLocalDpi xmlns:a14="http://schemas.microsoft.com/office/drawing/2010/main" val="0"/>
+              </a:ext>
+            </a:extLst>
+          </a:blip>
+          <a:srcRect/>
+          <a:stretch/>
+        </p:blipFill>
+        <p:spPr>
+          <a:xfrm>
+            <a:off x="6481460" y="647827"/>
+            <a:ext cx="5234010" cy="5234010"/>
+          </a:xfrm>
+          <a:custGeom>
+            <a:avLst/>
+            <a:gdLst/>
+            <a:ahLst/>
+            <a:cxnLst/>
+            <a:rect l="l" t="t" r="r" b="b"/>
+            <a:pathLst>
+              <a:path w="5777910" h="5777910">
+                <a:moveTo>
+                  <a:pt x="2888955" y="0"/>
+                </a:moveTo>
+                <a:cubicBezTo>
+                  <a:pt x="4484481" y="0"/>
+                  <a:pt x="5777910" y="1293429"/>
+                  <a:pt x="5777910" y="2888955"/>
+                </a:cubicBezTo>
+                <a:cubicBezTo>
+                  <a:pt x="5777910" y="4484481"/>
+                  <a:pt x="4484481" y="5777910"/>
+                  <a:pt x="2888955" y="5777910"/>
+                </a:cubicBezTo>
+                <a:cubicBezTo>
+                  <a:pt x="1293429" y="5777910"/>
+                  <a:pt x="0" y="4484481"/>
+                  <a:pt x="0" y="2888955"/>
+                </a:cubicBezTo>
+                <a:cubicBezTo>
+                  <a:pt x="0" y="1293429"/>
+                  <a:pt x="1293429" y="0"/>
+                  <a:pt x="2888955" y="0"/>
+                </a:cubicBezTo>
+                <a:close/>
+              </a:path>
+            </a:pathLst>
+          </a:custGeom>
+        </p:spPr>
+      </p:pic>
     </p:spTree>
     <p:extLst>
       <p:ext uri="{BB962C8B-B14F-4D97-AF65-F5344CB8AC3E}">

--- a/Dash-Streamlit_Presentation.pptx
+++ b/Dash-Streamlit_Presentation.pptx
@@ -6,8 +6,9 @@
   </p:sldMasterIdLst>
   <p:sldIdLst>
     <p:sldId id="256" r:id="rId2"/>
-    <p:sldId id="258" r:id="rId3"/>
-    <p:sldId id="257" r:id="rId4"/>
+    <p:sldId id="259" r:id="rId3"/>
+    <p:sldId id="258" r:id="rId4"/>
+    <p:sldId id="257" r:id="rId5"/>
   </p:sldIdLst>
   <p:sldSz cx="12192000" cy="6858000"/>
   <p:notesSz cx="6858000" cy="9144000"/>
@@ -106,6 +107,11 @@
       </a:defRPr>
     </a:lvl9pPr>
   </p:defaultTextStyle>
+  <p:extLst>
+    <p:ext uri="{EFAFB233-063F-42B5-8137-9DF3F51BA10A}">
+      <p15:sldGuideLst xmlns:p15="http://schemas.microsoft.com/office/powerpoint/2012/main"/>
+    </p:ext>
+  </p:extLst>
 </p:presentation>
 </file>
 
@@ -7179,6 +7185,71 @@
           <p:cNvPr id="2" name="Title 1">
             <a:extLst>
               <a:ext uri="{FF2B5EF4-FFF2-40B4-BE49-F238E27FC236}">
+                <a16:creationId xmlns:a16="http://schemas.microsoft.com/office/drawing/2014/main" id="{6A7873B7-C50E-04CB-E645-B2A50873DCC9}"/>
+              </a:ext>
+            </a:extLst>
+          </p:cNvPr>
+          <p:cNvSpPr>
+            <a:spLocks noGrp="1"/>
+          </p:cNvSpPr>
+          <p:nvPr>
+            <p:ph type="title"/>
+          </p:nvPr>
+        </p:nvSpPr>
+        <p:spPr>
+          <a:xfrm>
+            <a:off x="0" y="1"/>
+            <a:ext cx="12192000" cy="6858000"/>
+          </a:xfrm>
+        </p:spPr>
+        <p:txBody>
+          <a:bodyPr/>
+          <a:lstStyle/>
+          <a:p>
+            <a:pPr algn="ctr"/>
+            <a:r>
+              <a:rPr lang="pl-PL" dirty="0" err="1"/>
+              <a:t>Dash</a:t>
+            </a:r>
+            <a:endParaRPr lang="en-GB" dirty="0"/>
+          </a:p>
+        </p:txBody>
+      </p:sp>
+    </p:spTree>
+    <p:extLst>
+      <p:ext uri="{BB962C8B-B14F-4D97-AF65-F5344CB8AC3E}">
+        <p14:creationId xmlns:p14="http://schemas.microsoft.com/office/powerpoint/2010/main" val="1799771433"/>
+      </p:ext>
+    </p:extLst>
+  </p:cSld>
+  <p:clrMapOvr>
+    <a:masterClrMapping/>
+  </p:clrMapOvr>
+</p:sld>
+</file>
+
+<file path=ppt/slides/slide3.xml><?xml version="1.0" encoding="utf-8"?>
+<p:sld xmlns:a="http://schemas.openxmlformats.org/drawingml/2006/main" xmlns:r="http://schemas.openxmlformats.org/officeDocument/2006/relationships" xmlns:p="http://schemas.openxmlformats.org/presentationml/2006/main">
+  <p:cSld>
+    <p:spTree>
+      <p:nvGrpSpPr>
+        <p:cNvPr id="1" name=""/>
+        <p:cNvGrpSpPr/>
+        <p:nvPr/>
+      </p:nvGrpSpPr>
+      <p:grpSpPr>
+        <a:xfrm>
+          <a:off x="0" y="0"/>
+          <a:ext cx="0" cy="0"/>
+          <a:chOff x="0" y="0"/>
+          <a:chExt cx="0" cy="0"/>
+        </a:xfrm>
+      </p:grpSpPr>
+      <p:sp>
+        <p:nvSpPr>
+          <p:cNvPr id="2" name="Title 1">
+            <a:extLst>
+              <a:ext uri="{FF2B5EF4-FFF2-40B4-BE49-F238E27FC236}">
                 <a16:creationId xmlns:a16="http://schemas.microsoft.com/office/drawing/2014/main" id="{9758D9E0-DE81-AC02-04EA-640EFB955316}"/>
               </a:ext>
             </a:extLst>
@@ -7222,7 +7293,7 @@
 </p:sld>
 </file>
 
-<file path=ppt/slides/slide3.xml><?xml version="1.0" encoding="utf-8"?>
+<file path=ppt/slides/slide4.xml><?xml version="1.0" encoding="utf-8"?>
 <p:sld xmlns:a="http://schemas.openxmlformats.org/drawingml/2006/main" xmlns:r="http://schemas.openxmlformats.org/officeDocument/2006/relationships" xmlns:p="http://schemas.openxmlformats.org/presentationml/2006/main">
   <p:cSld>
     <p:bg>

--- a/Dash-Streamlit_Presentation.pptx
+++ b/Dash-Streamlit_Presentation.pptx
@@ -7022,7 +7022,11 @@
           <a:lstStyle/>
           <a:p>
             <a:pPr algn="l"/>
-            <a:endParaRPr lang="en-GB"/>
+            <a:r>
+              <a:rPr lang="pl-PL" dirty="0"/>
+              <a:t>Data Dashboard</a:t>
+            </a:r>
+            <a:endParaRPr lang="en-GB" dirty="0"/>
           </a:p>
         </p:txBody>
       </p:sp>
@@ -9171,7 +9175,7 @@
           <a:lstStyle/>
           <a:p>
             <a:r>
-              <a:rPr lang="pl-PL"/>
+              <a:rPr lang="pl-PL" dirty="0" err="1"/>
               <a:t>What</a:t>
             </a:r>
             <a:r>
@@ -9179,7 +9183,7 @@
               <a:t> </a:t>
             </a:r>
             <a:r>
-              <a:rPr lang="pl-PL"/>
+              <a:rPr lang="pl-PL" dirty="0" err="1"/>
               <a:t>is</a:t>
             </a:r>
             <a:r>
@@ -9187,7 +9191,7 @@
               <a:t> </a:t>
             </a:r>
             <a:r>
-              <a:rPr lang="pl-PL"/>
+              <a:rPr lang="pl-PL" dirty="0" err="1"/>
               <a:t>Streamlit</a:t>
             </a:r>
             <a:r>

--- a/Dash-Streamlit_Presentation.pptx
+++ b/Dash-Streamlit_Presentation.pptx
@@ -263,7 +263,7 @@
           <a:p>
             <a:fld id="{073D55F9-11A3-4523-8F38-6BA37933791A}" type="datetime1">
               <a:rPr lang="en-US" smtClean="0"/>
-              <a:t>4/21/2025</a:t>
+              <a:t>4/24/2025</a:t>
             </a:fld>
             <a:endParaRPr lang="en-US"/>
           </a:p>
@@ -465,7 +465,7 @@
           <a:p>
             <a:fld id="{0B4E757A-3EC2-4683-9080-1A460C37C843}" type="datetime1">
               <a:rPr lang="en-US" smtClean="0"/>
-              <a:t>4/21/2025</a:t>
+              <a:t>4/24/2025</a:t>
             </a:fld>
             <a:endParaRPr lang="en-US"/>
           </a:p>
@@ -681,7 +681,7 @@
           <a:p>
             <a:fld id="{5CC8096C-64ED-4153-A483-5C02E44AD5C3}" type="datetime1">
               <a:rPr lang="en-US" smtClean="0"/>
-              <a:t>4/21/2025</a:t>
+              <a:t>4/24/2025</a:t>
             </a:fld>
             <a:endParaRPr lang="en-US" dirty="0"/>
           </a:p>
@@ -914,7 +914,7 @@
           <a:p>
             <a:fld id="{1CB9D56B-6EBE-4E5F-99D9-2A3DBDF37D0A}" type="datetime1">
               <a:rPr lang="en-US" smtClean="0"/>
-              <a:t>4/21/2025</a:t>
+              <a:t>4/24/2025</a:t>
             </a:fld>
             <a:endParaRPr lang="en-US"/>
           </a:p>
@@ -1191,7 +1191,7 @@
           <a:p>
             <a:fld id="{8C33F3CA-C7E3-432D-9282-18F13836509A}" type="datetime1">
               <a:rPr lang="en-US" smtClean="0"/>
-              <a:t>4/21/2025</a:t>
+              <a:t>4/24/2025</a:t>
             </a:fld>
             <a:endParaRPr lang="en-US" dirty="0"/>
           </a:p>
@@ -1461,7 +1461,7 @@
           <a:p>
             <a:fld id="{75BE9C62-1337-40B8-BA50-E9F4861DB4BC}" type="datetime1">
               <a:rPr lang="en-US" smtClean="0"/>
-              <a:t>4/21/2025</a:t>
+              <a:t>4/24/2025</a:t>
             </a:fld>
             <a:endParaRPr lang="en-US"/>
           </a:p>
@@ -1878,7 +1878,7 @@
           <a:p>
             <a:fld id="{47C195EB-2DA3-4B24-8725-19BC22A7BE50}" type="datetime1">
               <a:rPr lang="en-US" smtClean="0"/>
-              <a:t>4/21/2025</a:t>
+              <a:t>4/24/2025</a:t>
             </a:fld>
             <a:endParaRPr lang="en-US"/>
           </a:p>
@@ -2023,7 +2023,7 @@
           <a:p>
             <a:fld id="{F4E237E6-0076-4915-A5A8-B7C11FA4F374}" type="datetime1">
               <a:rPr lang="en-US" smtClean="0"/>
-              <a:t>4/21/2025</a:t>
+              <a:t>4/24/2025</a:t>
             </a:fld>
             <a:endParaRPr lang="en-US"/>
           </a:p>
@@ -2139,7 +2139,7 @@
           <a:p>
             <a:fld id="{3505F58F-C0B5-422A-8E5A-6B99E5D80F0A}" type="datetime1">
               <a:rPr lang="en-US" smtClean="0"/>
-              <a:t>4/21/2025</a:t>
+              <a:t>4/24/2025</a:t>
             </a:fld>
             <a:endParaRPr lang="en-US"/>
           </a:p>
@@ -2455,7 +2455,7 @@
           <a:p>
             <a:fld id="{7565E655-9687-48DF-A33F-F8824CCCB5D1}" type="datetime1">
               <a:rPr lang="en-US" smtClean="0"/>
-              <a:t>4/21/2025</a:t>
+              <a:t>4/24/2025</a:t>
             </a:fld>
             <a:endParaRPr lang="en-US"/>
           </a:p>
@@ -2751,7 +2751,7 @@
           <a:p>
             <a:fld id="{B97FD56A-AAB8-4544-A495-D0645413C9E3}" type="datetime1">
               <a:rPr lang="en-US" smtClean="0"/>
-              <a:t>4/21/2025</a:t>
+              <a:t>4/24/2025</a:t>
             </a:fld>
             <a:endParaRPr lang="en-US"/>
           </a:p>
@@ -4572,7 +4572,7 @@
             <a:fld id="{193BAB95-8DA7-460B-B00A-7037C8394FB0}" type="datetime1">
               <a:rPr lang="en-US" smtClean="0"/>
               <a:pPr/>
-              <a:t>4/21/2025</a:t>
+              <a:t>4/24/2025</a:t>
             </a:fld>
             <a:endParaRPr lang="en-US" dirty="0"/>
           </a:p>
@@ -7164,6 +7164,18 @@
   <p:clrMapOvr>
     <a:masterClrMapping/>
   </p:clrMapOvr>
+  <mc:AlternateContent xmlns:mc="http://schemas.openxmlformats.org/markup-compatibility/2006">
+    <mc:Choice xmlns:p14="http://schemas.microsoft.com/office/powerpoint/2010/main" Requires="p14">
+      <p:transition spd="slow" p14:dur="1300">
+        <p14:pan dir="u"/>
+      </p:transition>
+    </mc:Choice>
+    <mc:Fallback>
+      <p:transition spd="slow">
+        <p:fade/>
+      </p:transition>
+    </mc:Fallback>
+  </mc:AlternateContent>
 </p:sld>
 </file>
 
@@ -7229,6 +7241,18 @@
   <p:clrMapOvr>
     <a:masterClrMapping/>
   </p:clrMapOvr>
+  <mc:AlternateContent xmlns:mc="http://schemas.openxmlformats.org/markup-compatibility/2006">
+    <mc:Choice xmlns:p14="http://schemas.microsoft.com/office/powerpoint/2010/main" Requires="p14">
+      <p:transition spd="slow" p14:dur="1300">
+        <p14:pan dir="u"/>
+      </p:transition>
+    </mc:Choice>
+    <mc:Fallback>
+      <p:transition spd="slow">
+        <p:fade/>
+      </p:transition>
+    </mc:Fallback>
+  </mc:AlternateContent>
 </p:sld>
 </file>
 
@@ -7294,6 +7318,18 @@
   <p:clrMapOvr>
     <a:masterClrMapping/>
   </p:clrMapOvr>
+  <mc:AlternateContent xmlns:mc="http://schemas.openxmlformats.org/markup-compatibility/2006">
+    <mc:Choice xmlns:p14="http://schemas.microsoft.com/office/powerpoint/2010/main" Requires="p14">
+      <p:transition spd="slow" p14:dur="1300">
+        <p14:pan dir="u"/>
+      </p:transition>
+    </mc:Choice>
+    <mc:Fallback>
+      <p:transition spd="slow">
+        <p:fade/>
+      </p:transition>
+    </mc:Fallback>
+  </mc:AlternateContent>
 </p:sld>
 </file>
 
@@ -9478,6 +9514,18 @@
   <p:clrMapOvr>
     <a:masterClrMapping/>
   </p:clrMapOvr>
+  <mc:AlternateContent xmlns:mc="http://schemas.openxmlformats.org/markup-compatibility/2006">
+    <mc:Choice xmlns:p14="http://schemas.microsoft.com/office/powerpoint/2010/main" Requires="p14">
+      <p:transition spd="slow" p14:dur="1300">
+        <p14:pan dir="u"/>
+      </p:transition>
+    </mc:Choice>
+    <mc:Fallback>
+      <p:transition spd="slow">
+        <p:fade/>
+      </p:transition>
+    </mc:Fallback>
+  </mc:AlternateContent>
 </p:sld>
 </file>
 
